--- a/宣道詩/(宣道詩130)像基督.pptx
+++ b/宣道詩/(宣道詩130)像基督.pptx
@@ -12,7 +12,7 @@
     <p:sldId id="260" r:id="rId6"/>
     <p:sldId id="261" r:id="rId7"/>
   </p:sldIdLst>
-  <p:sldSz cx="9144000" cy="6858000" type="screen4x3"/>
+  <p:sldSz cx="12192000" cy="6858000"/>
   <p:notesSz cx="6858000" cy="9144000"/>
   <p:defaultTextStyle>
     <a:defPPr>
@@ -109,6 +109,22 @@
       </a:defRPr>
     </a:lvl9pPr>
   </p:defaultTextStyle>
+  <p:extLst>
+    <p:ext uri="{EFAFB233-063F-42B5-8137-9DF3F51BA10A}">
+      <p15:sldGuideLst xmlns:p15="http://schemas.microsoft.com/office/powerpoint/2012/main">
+        <p15:guide id="1" orient="horz" pos="2160" userDrawn="1">
+          <p15:clr>
+            <a:srgbClr val="A4A3A4"/>
+          </p15:clr>
+        </p15:guide>
+        <p15:guide id="2" pos="3840" userDrawn="1">
+          <p15:clr>
+            <a:srgbClr val="A4A3A4"/>
+          </p15:clr>
+        </p15:guide>
+      </p15:sldGuideLst>
+    </p:ext>
+  </p:extLst>
 </p:presentation>
 </file>
 
@@ -141,8 +157,8 @@
         </p:nvSpPr>
         <p:spPr>
           <a:xfrm>
-            <a:off x="685800" y="2130425"/>
-            <a:ext cx="7772400" cy="1470025"/>
+            <a:off x="914400" y="2130426"/>
+            <a:ext cx="10363200" cy="1470025"/>
           </a:xfrm>
         </p:spPr>
         <p:txBody>
@@ -169,8 +185,8 @@
         </p:nvSpPr>
         <p:spPr>
           <a:xfrm>
-            <a:off x="1371600" y="3886200"/>
-            <a:ext cx="6400800" cy="1752600"/>
+            <a:off x="1828800" y="3886200"/>
+            <a:ext cx="8534400" cy="1752600"/>
           </a:xfrm>
         </p:spPr>
         <p:txBody>
@@ -294,7 +310,7 @@
             <a:fld id="{D33DC525-72F4-4C64-B99D-0B22188FF31E}" type="datetimeFigureOut">
               <a:rPr lang="zh-TW" altLang="en-US" smtClean="0"/>
               <a:pPr/>
-              <a:t>2019/2/10</a:t>
+              <a:t>2020/6/6</a:t>
             </a:fld>
             <a:endParaRPr lang="zh-TW" altLang="en-US"/>
           </a:p>
@@ -461,7 +477,7 @@
             <a:fld id="{D33DC525-72F4-4C64-B99D-0B22188FF31E}" type="datetimeFigureOut">
               <a:rPr lang="zh-TW" altLang="en-US" smtClean="0"/>
               <a:pPr/>
-              <a:t>2019/2/10</a:t>
+              <a:t>2020/6/6</a:t>
             </a:fld>
             <a:endParaRPr lang="zh-TW" altLang="en-US"/>
           </a:p>
@@ -547,8 +563,8 @@
         </p:nvSpPr>
         <p:spPr>
           <a:xfrm>
-            <a:off x="6629400" y="274638"/>
-            <a:ext cx="2057400" cy="5851525"/>
+            <a:off x="8839200" y="274639"/>
+            <a:ext cx="2743200" cy="5851525"/>
           </a:xfrm>
         </p:spPr>
         <p:txBody>
@@ -575,8 +591,8 @@
         </p:nvSpPr>
         <p:spPr>
           <a:xfrm>
-            <a:off x="457200" y="274638"/>
-            <a:ext cx="6019800" cy="5851525"/>
+            <a:off x="609600" y="274639"/>
+            <a:ext cx="8026400" cy="5851525"/>
           </a:xfrm>
         </p:spPr>
         <p:txBody>
@@ -638,7 +654,7 @@
             <a:fld id="{D33DC525-72F4-4C64-B99D-0B22188FF31E}" type="datetimeFigureOut">
               <a:rPr lang="zh-TW" altLang="en-US" smtClean="0"/>
               <a:pPr/>
-              <a:t>2019/2/10</a:t>
+              <a:t>2020/6/6</a:t>
             </a:fld>
             <a:endParaRPr lang="zh-TW" altLang="en-US"/>
           </a:p>
@@ -805,7 +821,7 @@
             <a:fld id="{D33DC525-72F4-4C64-B99D-0B22188FF31E}" type="datetimeFigureOut">
               <a:rPr lang="zh-TW" altLang="en-US" smtClean="0"/>
               <a:pPr/>
-              <a:t>2019/2/10</a:t>
+              <a:t>2020/6/6</a:t>
             </a:fld>
             <a:endParaRPr lang="zh-TW" altLang="en-US"/>
           </a:p>
@@ -891,8 +907,8 @@
         </p:nvSpPr>
         <p:spPr>
           <a:xfrm>
-            <a:off x="722313" y="4406900"/>
-            <a:ext cx="7772400" cy="1362075"/>
+            <a:off x="963084" y="4406901"/>
+            <a:ext cx="10363200" cy="1362075"/>
           </a:xfrm>
         </p:spPr>
         <p:txBody>
@@ -923,8 +939,8 @@
         </p:nvSpPr>
         <p:spPr>
           <a:xfrm>
-            <a:off x="722313" y="2906713"/>
-            <a:ext cx="7772400" cy="1500187"/>
+            <a:off x="963084" y="2906713"/>
+            <a:ext cx="10363200" cy="1500187"/>
           </a:xfrm>
         </p:spPr>
         <p:txBody>
@@ -1048,7 +1064,7 @@
             <a:fld id="{D33DC525-72F4-4C64-B99D-0B22188FF31E}" type="datetimeFigureOut">
               <a:rPr lang="zh-TW" altLang="en-US" smtClean="0"/>
               <a:pPr/>
-              <a:t>2019/2/10</a:t>
+              <a:t>2020/6/6</a:t>
             </a:fld>
             <a:endParaRPr lang="zh-TW" altLang="en-US"/>
           </a:p>
@@ -1157,8 +1173,8 @@
         </p:nvSpPr>
         <p:spPr>
           <a:xfrm>
-            <a:off x="457200" y="1600200"/>
-            <a:ext cx="4038600" cy="4525963"/>
+            <a:off x="609600" y="1600201"/>
+            <a:ext cx="5384800" cy="4525963"/>
           </a:xfrm>
         </p:spPr>
         <p:txBody>
@@ -1242,8 +1258,8 @@
         </p:nvSpPr>
         <p:spPr>
           <a:xfrm>
-            <a:off x="4648200" y="1600200"/>
-            <a:ext cx="4038600" cy="4525963"/>
+            <a:off x="6197600" y="1600201"/>
+            <a:ext cx="5384800" cy="4525963"/>
           </a:xfrm>
         </p:spPr>
         <p:txBody>
@@ -1333,7 +1349,7 @@
             <a:fld id="{D33DC525-72F4-4C64-B99D-0B22188FF31E}" type="datetimeFigureOut">
               <a:rPr lang="zh-TW" altLang="en-US" smtClean="0"/>
               <a:pPr/>
-              <a:t>2019/2/10</a:t>
+              <a:t>2020/6/6</a:t>
             </a:fld>
             <a:endParaRPr lang="zh-TW" altLang="en-US"/>
           </a:p>
@@ -1446,8 +1462,8 @@
         </p:nvSpPr>
         <p:spPr>
           <a:xfrm>
-            <a:off x="457200" y="1535113"/>
-            <a:ext cx="4040188" cy="639762"/>
+            <a:off x="609600" y="1535113"/>
+            <a:ext cx="5386917" cy="639762"/>
           </a:xfrm>
         </p:spPr>
         <p:txBody>
@@ -1511,8 +1527,8 @@
         </p:nvSpPr>
         <p:spPr>
           <a:xfrm>
-            <a:off x="457200" y="2174875"/>
-            <a:ext cx="4040188" cy="3951288"/>
+            <a:off x="609600" y="2174875"/>
+            <a:ext cx="5386917" cy="3951288"/>
           </a:xfrm>
         </p:spPr>
         <p:txBody>
@@ -1596,8 +1612,8 @@
         </p:nvSpPr>
         <p:spPr>
           <a:xfrm>
-            <a:off x="4645025" y="1535113"/>
-            <a:ext cx="4041775" cy="639762"/>
+            <a:off x="6193368" y="1535113"/>
+            <a:ext cx="5389033" cy="639762"/>
           </a:xfrm>
         </p:spPr>
         <p:txBody>
@@ -1661,8 +1677,8 @@
         </p:nvSpPr>
         <p:spPr>
           <a:xfrm>
-            <a:off x="4645025" y="2174875"/>
-            <a:ext cx="4041775" cy="3951288"/>
+            <a:off x="6193368" y="2174875"/>
+            <a:ext cx="5389033" cy="3951288"/>
           </a:xfrm>
         </p:spPr>
         <p:txBody>
@@ -1752,7 +1768,7 @@
             <a:fld id="{D33DC525-72F4-4C64-B99D-0B22188FF31E}" type="datetimeFigureOut">
               <a:rPr lang="zh-TW" altLang="en-US" smtClean="0"/>
               <a:pPr/>
-              <a:t>2019/2/10</a:t>
+              <a:t>2020/6/6</a:t>
             </a:fld>
             <a:endParaRPr lang="zh-TW" altLang="en-US"/>
           </a:p>
@@ -1867,7 +1883,7 @@
             <a:fld id="{D33DC525-72F4-4C64-B99D-0B22188FF31E}" type="datetimeFigureOut">
               <a:rPr lang="zh-TW" altLang="en-US" smtClean="0"/>
               <a:pPr/>
-              <a:t>2019/2/10</a:t>
+              <a:t>2020/6/6</a:t>
             </a:fld>
             <a:endParaRPr lang="zh-TW" altLang="en-US"/>
           </a:p>
@@ -1959,7 +1975,7 @@
             <a:fld id="{D33DC525-72F4-4C64-B99D-0B22188FF31E}" type="datetimeFigureOut">
               <a:rPr lang="zh-TW" altLang="en-US" smtClean="0"/>
               <a:pPr/>
-              <a:t>2019/2/10</a:t>
+              <a:t>2020/6/6</a:t>
             </a:fld>
             <a:endParaRPr lang="zh-TW" altLang="en-US"/>
           </a:p>
@@ -2045,8 +2061,8 @@
         </p:nvSpPr>
         <p:spPr>
           <a:xfrm>
-            <a:off x="457200" y="273050"/>
-            <a:ext cx="3008313" cy="1162050"/>
+            <a:off x="609601" y="273050"/>
+            <a:ext cx="4011084" cy="1162050"/>
           </a:xfrm>
         </p:spPr>
         <p:txBody>
@@ -2077,8 +2093,8 @@
         </p:nvSpPr>
         <p:spPr>
           <a:xfrm>
-            <a:off x="3575050" y="273050"/>
-            <a:ext cx="5111750" cy="5853113"/>
+            <a:off x="4766733" y="273051"/>
+            <a:ext cx="6815667" cy="5853113"/>
           </a:xfrm>
         </p:spPr>
         <p:txBody>
@@ -2162,8 +2178,8 @@
         </p:nvSpPr>
         <p:spPr>
           <a:xfrm>
-            <a:off x="457200" y="1435100"/>
-            <a:ext cx="3008313" cy="4691063"/>
+            <a:off x="609601" y="1435101"/>
+            <a:ext cx="4011084" cy="4691063"/>
           </a:xfrm>
         </p:spPr>
         <p:txBody>
@@ -2233,7 +2249,7 @@
             <a:fld id="{D33DC525-72F4-4C64-B99D-0B22188FF31E}" type="datetimeFigureOut">
               <a:rPr lang="zh-TW" altLang="en-US" smtClean="0"/>
               <a:pPr/>
-              <a:t>2019/2/10</a:t>
+              <a:t>2020/6/6</a:t>
             </a:fld>
             <a:endParaRPr lang="zh-TW" altLang="en-US"/>
           </a:p>
@@ -2319,8 +2335,8 @@
         </p:nvSpPr>
         <p:spPr>
           <a:xfrm>
-            <a:off x="1792288" y="4800600"/>
-            <a:ext cx="5486400" cy="566738"/>
+            <a:off x="2389717" y="4800600"/>
+            <a:ext cx="7315200" cy="566738"/>
           </a:xfrm>
         </p:spPr>
         <p:txBody>
@@ -2351,8 +2367,8 @@
         </p:nvSpPr>
         <p:spPr>
           <a:xfrm>
-            <a:off x="1792288" y="612775"/>
-            <a:ext cx="5486400" cy="4114800"/>
+            <a:off x="2389717" y="612775"/>
+            <a:ext cx="7315200" cy="4114800"/>
           </a:xfrm>
         </p:spPr>
         <p:txBody>
@@ -2416,8 +2432,8 @@
         </p:nvSpPr>
         <p:spPr>
           <a:xfrm>
-            <a:off x="1792288" y="5367338"/>
-            <a:ext cx="5486400" cy="804862"/>
+            <a:off x="2389717" y="5367338"/>
+            <a:ext cx="7315200" cy="804862"/>
           </a:xfrm>
         </p:spPr>
         <p:txBody>
@@ -2487,7 +2503,7 @@
             <a:fld id="{D33DC525-72F4-4C64-B99D-0B22188FF31E}" type="datetimeFigureOut">
               <a:rPr lang="zh-TW" altLang="en-US" smtClean="0"/>
               <a:pPr/>
-              <a:t>2019/2/10</a:t>
+              <a:t>2020/6/6</a:t>
             </a:fld>
             <a:endParaRPr lang="zh-TW" altLang="en-US"/>
           </a:p>
@@ -2583,8 +2599,8 @@
         </p:nvSpPr>
         <p:spPr>
           <a:xfrm>
-            <a:off x="457200" y="274638"/>
-            <a:ext cx="8229600" cy="1143000"/>
+            <a:off x="609600" y="274638"/>
+            <a:ext cx="10972800" cy="1143000"/>
           </a:xfrm>
           <a:prstGeom prst="rect">
             <a:avLst/>
@@ -2616,8 +2632,8 @@
         </p:nvSpPr>
         <p:spPr>
           <a:xfrm>
-            <a:off x="457200" y="1600200"/>
-            <a:ext cx="8229600" cy="4525963"/>
+            <a:off x="609600" y="1600201"/>
+            <a:ext cx="10972800" cy="4525963"/>
           </a:xfrm>
           <a:prstGeom prst="rect">
             <a:avLst/>
@@ -2678,8 +2694,8 @@
         </p:nvSpPr>
         <p:spPr>
           <a:xfrm>
-            <a:off x="457200" y="6356350"/>
-            <a:ext cx="2133600" cy="365125"/>
+            <a:off x="609600" y="6356351"/>
+            <a:ext cx="2844800" cy="365125"/>
           </a:xfrm>
           <a:prstGeom prst="rect">
             <a:avLst/>
@@ -2702,7 +2718,7 @@
             <a:fld id="{D33DC525-72F4-4C64-B99D-0B22188FF31E}" type="datetimeFigureOut">
               <a:rPr lang="zh-TW" altLang="en-US" smtClean="0"/>
               <a:pPr/>
-              <a:t>2019/2/10</a:t>
+              <a:t>2020/6/6</a:t>
             </a:fld>
             <a:endParaRPr lang="zh-TW" altLang="en-US"/>
           </a:p>
@@ -2720,8 +2736,8 @@
         </p:nvSpPr>
         <p:spPr>
           <a:xfrm>
-            <a:off x="3124200" y="6356350"/>
-            <a:ext cx="2895600" cy="365125"/>
+            <a:off x="4165600" y="6356351"/>
+            <a:ext cx="3860800" cy="365125"/>
           </a:xfrm>
           <a:prstGeom prst="rect">
             <a:avLst/>
@@ -2757,8 +2773,8 @@
         </p:nvSpPr>
         <p:spPr>
           <a:xfrm>
-            <a:off x="6553200" y="6356350"/>
-            <a:ext cx="2133600" cy="365125"/>
+            <a:off x="8737600" y="6356351"/>
+            <a:ext cx="2844800" cy="365125"/>
           </a:xfrm>
           <a:prstGeom prst="rect">
             <a:avLst/>
@@ -3085,17 +3101,19 @@
         </p:nvSpPr>
         <p:spPr/>
         <p:txBody>
-          <a:bodyPr/>
-          <a:lstStyle/>
-          <a:p>
-            <a:r>
-              <a:rPr lang="zh-CN" altLang="en-US" b="1" dirty="0" smtClean="0">
+          <a:bodyPr>
+            <a:normAutofit/>
+          </a:bodyPr>
+          <a:lstStyle/>
+          <a:p>
+            <a:r>
+              <a:rPr lang="zh-CN" altLang="en-US" sz="4800" b="1" dirty="0" smtClean="0">
                 <a:latin typeface="微軟正黑體" pitchFamily="34" charset="-120"/>
                 <a:ea typeface="微軟正黑體" pitchFamily="34" charset="-120"/>
               </a:rPr>
               <a:t>像基督</a:t>
             </a:r>
-            <a:endParaRPr lang="zh-TW" altLang="en-US" b="1" dirty="0">
+            <a:endParaRPr lang="zh-TW" altLang="en-US" sz="4800" b="1" dirty="0">
               <a:latin typeface="微軟正黑體" pitchFamily="34" charset="-120"/>
               <a:ea typeface="微軟正黑體" pitchFamily="34" charset="-120"/>
             </a:endParaRPr>
@@ -3165,6 +3183,36 @@
               </a:rPr>
               <a:t>披戴主基督守主聖道</a:t>
             </a:r>
+          </a:p>
+        </p:txBody>
+      </p:sp>
+      <p:sp>
+        <p:nvSpPr>
+          <p:cNvPr id="2" name="TextBox 1"/>
+          <p:cNvSpPr txBox="1"/>
+          <p:nvPr/>
+        </p:nvSpPr>
+        <p:spPr>
+          <a:xfrm>
+            <a:off x="983432" y="1608941"/>
+            <a:ext cx="1008112" cy="1015663"/>
+          </a:xfrm>
+          <a:prstGeom prst="rect">
+            <a:avLst/>
+          </a:prstGeom>
+          <a:noFill/>
+        </p:spPr>
+        <p:txBody>
+          <a:bodyPr wrap="square" rtlCol="0">
+            <a:spAutoFit/>
+          </a:bodyPr>
+          <a:lstStyle/>
+          <a:p>
+            <a:r>
+              <a:rPr lang="en-US" sz="6000" b="1" dirty="0" smtClean="0"/>
+              <a:t>1.</a:t>
+            </a:r>
+            <a:endParaRPr lang="vi-VN" sz="6000" b="1" dirty="0"/>
           </a:p>
         </p:txBody>
       </p:sp>
@@ -3211,13 +3259,13 @@
           <a:lstStyle/>
           <a:p>
             <a:r>
-              <a:rPr lang="zh-CN" altLang="en-US" b="1" dirty="0" smtClean="0">
+              <a:rPr lang="zh-CN" altLang="en-US" sz="4800" b="1" dirty="0">
                 <a:latin typeface="微軟正黑體" pitchFamily="34" charset="-120"/>
                 <a:ea typeface="微軟正黑體" pitchFamily="34" charset="-120"/>
               </a:rPr>
               <a:t>像基督</a:t>
             </a:r>
-            <a:endParaRPr lang="zh-TW" altLang="en-US" b="1" dirty="0">
+            <a:endParaRPr lang="zh-TW" altLang="en-US" sz="4800" b="1" dirty="0">
               <a:latin typeface="微軟正黑體" pitchFamily="34" charset="-120"/>
               <a:ea typeface="微軟正黑體" pitchFamily="34" charset="-120"/>
             </a:endParaRPr>
@@ -3333,13 +3381,13 @@
           <a:lstStyle/>
           <a:p>
             <a:r>
-              <a:rPr lang="zh-CN" altLang="en-US" b="1" dirty="0" smtClean="0">
+              <a:rPr lang="zh-CN" altLang="en-US" sz="4800" b="1" dirty="0">
                 <a:latin typeface="微軟正黑體" pitchFamily="34" charset="-120"/>
                 <a:ea typeface="微軟正黑體" pitchFamily="34" charset="-120"/>
               </a:rPr>
               <a:t>像基督</a:t>
             </a:r>
-            <a:endParaRPr lang="zh-TW" altLang="en-US" b="1" dirty="0">
+            <a:endParaRPr lang="zh-TW" altLang="en-US" sz="4800" b="1" dirty="0">
               <a:latin typeface="微軟正黑體" pitchFamily="34" charset="-120"/>
               <a:ea typeface="微軟正黑體" pitchFamily="34" charset="-120"/>
             </a:endParaRPr>
@@ -3409,6 +3457,40 @@
               </a:rPr>
               <a:t>更使我生命榮耀我主</a:t>
             </a:r>
+          </a:p>
+        </p:txBody>
+      </p:sp>
+      <p:sp>
+        <p:nvSpPr>
+          <p:cNvPr id="6" name="TextBox 5"/>
+          <p:cNvSpPr txBox="1"/>
+          <p:nvPr/>
+        </p:nvSpPr>
+        <p:spPr>
+          <a:xfrm>
+            <a:off x="983432" y="1608941"/>
+            <a:ext cx="1008112" cy="1015663"/>
+          </a:xfrm>
+          <a:prstGeom prst="rect">
+            <a:avLst/>
+          </a:prstGeom>
+          <a:noFill/>
+        </p:spPr>
+        <p:txBody>
+          <a:bodyPr wrap="square" rtlCol="0">
+            <a:spAutoFit/>
+          </a:bodyPr>
+          <a:lstStyle/>
+          <a:p>
+            <a:r>
+              <a:rPr lang="en-US" sz="6000" b="1" dirty="0"/>
+              <a:t>2</a:t>
+            </a:r>
+            <a:r>
+              <a:rPr lang="en-US" sz="6000" b="1" dirty="0" smtClean="0"/>
+              <a:t>.</a:t>
+            </a:r>
+            <a:endParaRPr lang="vi-VN" sz="6000" b="1" dirty="0"/>
           </a:p>
         </p:txBody>
       </p:sp>
@@ -3455,13 +3537,13 @@
           <a:lstStyle/>
           <a:p>
             <a:r>
-              <a:rPr lang="zh-CN" altLang="en-US" b="1" dirty="0" smtClean="0">
+              <a:rPr lang="zh-CN" altLang="en-US" sz="4800" b="1" dirty="0">
                 <a:latin typeface="微軟正黑體" pitchFamily="34" charset="-120"/>
                 <a:ea typeface="微軟正黑體" pitchFamily="34" charset="-120"/>
               </a:rPr>
               <a:t>像基督</a:t>
             </a:r>
-            <a:endParaRPr lang="zh-TW" altLang="en-US" b="1" dirty="0">
+            <a:endParaRPr lang="zh-TW" altLang="en-US" sz="4800" b="1" dirty="0">
               <a:latin typeface="微軟正黑體" pitchFamily="34" charset="-120"/>
               <a:ea typeface="微軟正黑體" pitchFamily="34" charset="-120"/>
             </a:endParaRPr>
@@ -3577,13 +3659,13 @@
           <a:lstStyle/>
           <a:p>
             <a:r>
-              <a:rPr lang="zh-CN" altLang="en-US" b="1" dirty="0" smtClean="0">
+              <a:rPr lang="zh-CN" altLang="en-US" sz="4800" b="1" dirty="0">
                 <a:latin typeface="微軟正黑體" pitchFamily="34" charset="-120"/>
                 <a:ea typeface="微軟正黑體" pitchFamily="34" charset="-120"/>
               </a:rPr>
               <a:t>像基督</a:t>
             </a:r>
-            <a:endParaRPr lang="zh-TW" altLang="en-US" b="1" dirty="0">
+            <a:endParaRPr lang="zh-TW" altLang="en-US" sz="4800" b="1" dirty="0">
               <a:latin typeface="微軟正黑體" pitchFamily="34" charset="-120"/>
               <a:ea typeface="微軟正黑體" pitchFamily="34" charset="-120"/>
             </a:endParaRPr>
@@ -3653,6 +3735,40 @@
               </a:rPr>
               <a:t>尋找失喪者同歸天庭</a:t>
             </a:r>
+          </a:p>
+        </p:txBody>
+      </p:sp>
+      <p:sp>
+        <p:nvSpPr>
+          <p:cNvPr id="6" name="TextBox 5"/>
+          <p:cNvSpPr txBox="1"/>
+          <p:nvPr/>
+        </p:nvSpPr>
+        <p:spPr>
+          <a:xfrm>
+            <a:off x="983432" y="1608941"/>
+            <a:ext cx="1008112" cy="1015663"/>
+          </a:xfrm>
+          <a:prstGeom prst="rect">
+            <a:avLst/>
+          </a:prstGeom>
+          <a:noFill/>
+        </p:spPr>
+        <p:txBody>
+          <a:bodyPr wrap="square" rtlCol="0">
+            <a:spAutoFit/>
+          </a:bodyPr>
+          <a:lstStyle/>
+          <a:p>
+            <a:r>
+              <a:rPr lang="en-US" sz="6000" b="1" dirty="0"/>
+              <a:t>3</a:t>
+            </a:r>
+            <a:r>
+              <a:rPr lang="en-US" sz="6000" b="1" dirty="0" smtClean="0"/>
+              <a:t>.</a:t>
+            </a:r>
+            <a:endParaRPr lang="vi-VN" sz="6000" b="1" dirty="0"/>
           </a:p>
         </p:txBody>
       </p:sp>
@@ -3699,13 +3815,13 @@
           <a:lstStyle/>
           <a:p>
             <a:r>
-              <a:rPr lang="zh-CN" altLang="en-US" b="1" dirty="0" smtClean="0">
+              <a:rPr lang="zh-CN" altLang="en-US" sz="4800" b="1" dirty="0">
                 <a:latin typeface="微軟正黑體" pitchFamily="34" charset="-120"/>
                 <a:ea typeface="微軟正黑體" pitchFamily="34" charset="-120"/>
               </a:rPr>
               <a:t>像基督</a:t>
             </a:r>
-            <a:endParaRPr lang="zh-TW" altLang="en-US" b="1" dirty="0">
+            <a:endParaRPr lang="zh-TW" altLang="en-US" sz="4800" b="1" dirty="0">
               <a:latin typeface="微軟正黑體" pitchFamily="34" charset="-120"/>
               <a:ea typeface="微軟正黑體" pitchFamily="34" charset="-120"/>
             </a:endParaRPr>

--- a/宣道詩/(宣道詩130)像基督.pptx
+++ b/宣道詩/(宣道詩130)像基督.pptx
@@ -310,7 +310,7 @@
             <a:fld id="{D33DC525-72F4-4C64-B99D-0B22188FF31E}" type="datetimeFigureOut">
               <a:rPr lang="zh-TW" altLang="en-US" smtClean="0"/>
               <a:pPr/>
-              <a:t>2020/6/6</a:t>
+              <a:t>2020/9/12</a:t>
             </a:fld>
             <a:endParaRPr lang="zh-TW" altLang="en-US"/>
           </a:p>
@@ -477,7 +477,7 @@
             <a:fld id="{D33DC525-72F4-4C64-B99D-0B22188FF31E}" type="datetimeFigureOut">
               <a:rPr lang="zh-TW" altLang="en-US" smtClean="0"/>
               <a:pPr/>
-              <a:t>2020/6/6</a:t>
+              <a:t>2020/9/12</a:t>
             </a:fld>
             <a:endParaRPr lang="zh-TW" altLang="en-US"/>
           </a:p>
@@ -654,7 +654,7 @@
             <a:fld id="{D33DC525-72F4-4C64-B99D-0B22188FF31E}" type="datetimeFigureOut">
               <a:rPr lang="zh-TW" altLang="en-US" smtClean="0"/>
               <a:pPr/>
-              <a:t>2020/6/6</a:t>
+              <a:t>2020/9/12</a:t>
             </a:fld>
             <a:endParaRPr lang="zh-TW" altLang="en-US"/>
           </a:p>
@@ -821,7 +821,7 @@
             <a:fld id="{D33DC525-72F4-4C64-B99D-0B22188FF31E}" type="datetimeFigureOut">
               <a:rPr lang="zh-TW" altLang="en-US" smtClean="0"/>
               <a:pPr/>
-              <a:t>2020/6/6</a:t>
+              <a:t>2020/9/12</a:t>
             </a:fld>
             <a:endParaRPr lang="zh-TW" altLang="en-US"/>
           </a:p>
@@ -1064,7 +1064,7 @@
             <a:fld id="{D33DC525-72F4-4C64-B99D-0B22188FF31E}" type="datetimeFigureOut">
               <a:rPr lang="zh-TW" altLang="en-US" smtClean="0"/>
               <a:pPr/>
-              <a:t>2020/6/6</a:t>
+              <a:t>2020/9/12</a:t>
             </a:fld>
             <a:endParaRPr lang="zh-TW" altLang="en-US"/>
           </a:p>
@@ -1349,7 +1349,7 @@
             <a:fld id="{D33DC525-72F4-4C64-B99D-0B22188FF31E}" type="datetimeFigureOut">
               <a:rPr lang="zh-TW" altLang="en-US" smtClean="0"/>
               <a:pPr/>
-              <a:t>2020/6/6</a:t>
+              <a:t>2020/9/12</a:t>
             </a:fld>
             <a:endParaRPr lang="zh-TW" altLang="en-US"/>
           </a:p>
@@ -1768,7 +1768,7 @@
             <a:fld id="{D33DC525-72F4-4C64-B99D-0B22188FF31E}" type="datetimeFigureOut">
               <a:rPr lang="zh-TW" altLang="en-US" smtClean="0"/>
               <a:pPr/>
-              <a:t>2020/6/6</a:t>
+              <a:t>2020/9/12</a:t>
             </a:fld>
             <a:endParaRPr lang="zh-TW" altLang="en-US"/>
           </a:p>
@@ -1883,7 +1883,7 @@
             <a:fld id="{D33DC525-72F4-4C64-B99D-0B22188FF31E}" type="datetimeFigureOut">
               <a:rPr lang="zh-TW" altLang="en-US" smtClean="0"/>
               <a:pPr/>
-              <a:t>2020/6/6</a:t>
+              <a:t>2020/9/12</a:t>
             </a:fld>
             <a:endParaRPr lang="zh-TW" altLang="en-US"/>
           </a:p>
@@ -1975,7 +1975,7 @@
             <a:fld id="{D33DC525-72F4-4C64-B99D-0B22188FF31E}" type="datetimeFigureOut">
               <a:rPr lang="zh-TW" altLang="en-US" smtClean="0"/>
               <a:pPr/>
-              <a:t>2020/6/6</a:t>
+              <a:t>2020/9/12</a:t>
             </a:fld>
             <a:endParaRPr lang="zh-TW" altLang="en-US"/>
           </a:p>
@@ -2249,7 +2249,7 @@
             <a:fld id="{D33DC525-72F4-4C64-B99D-0B22188FF31E}" type="datetimeFigureOut">
               <a:rPr lang="zh-TW" altLang="en-US" smtClean="0"/>
               <a:pPr/>
-              <a:t>2020/6/6</a:t>
+              <a:t>2020/9/12</a:t>
             </a:fld>
             <a:endParaRPr lang="zh-TW" altLang="en-US"/>
           </a:p>
@@ -2503,7 +2503,7 @@
             <a:fld id="{D33DC525-72F4-4C64-B99D-0B22188FF31E}" type="datetimeFigureOut">
               <a:rPr lang="zh-TW" altLang="en-US" smtClean="0"/>
               <a:pPr/>
-              <a:t>2020/6/6</a:t>
+              <a:t>2020/9/12</a:t>
             </a:fld>
             <a:endParaRPr lang="zh-TW" altLang="en-US"/>
           </a:p>
@@ -2718,7 +2718,7 @@
             <a:fld id="{D33DC525-72F4-4C64-B99D-0B22188FF31E}" type="datetimeFigureOut">
               <a:rPr lang="zh-TW" altLang="en-US" smtClean="0"/>
               <a:pPr/>
-              <a:t>2020/6/6</a:t>
+              <a:t>2020/9/12</a:t>
             </a:fld>
             <a:endParaRPr lang="zh-TW" altLang="en-US"/>
           </a:p>

--- a/宣道詩/(宣道詩130)像基督.pptx
+++ b/宣道詩/(宣道詩130)像基督.pptx
@@ -11,6 +11,13 @@
     <p:sldId id="259" r:id="rId5"/>
     <p:sldId id="260" r:id="rId6"/>
     <p:sldId id="261" r:id="rId7"/>
+    <p:sldId id="262" r:id="rId8"/>
+    <p:sldId id="263" r:id="rId9"/>
+    <p:sldId id="264" r:id="rId10"/>
+    <p:sldId id="265" r:id="rId11"/>
+    <p:sldId id="266" r:id="rId12"/>
+    <p:sldId id="267" r:id="rId13"/>
+    <p:sldId id="268" r:id="rId14"/>
   </p:sldIdLst>
   <p:sldSz cx="12192000" cy="6858000"/>
   <p:notesSz cx="6858000" cy="9144000"/>
@@ -310,7 +317,7 @@
             <a:fld id="{D33DC525-72F4-4C64-B99D-0B22188FF31E}" type="datetimeFigureOut">
               <a:rPr lang="zh-TW" altLang="en-US" smtClean="0"/>
               <a:pPr/>
-              <a:t>2020/9/12</a:t>
+              <a:t>2020/11/13</a:t>
             </a:fld>
             <a:endParaRPr lang="zh-TW" altLang="en-US"/>
           </a:p>
@@ -477,7 +484,7 @@
             <a:fld id="{D33DC525-72F4-4C64-B99D-0B22188FF31E}" type="datetimeFigureOut">
               <a:rPr lang="zh-TW" altLang="en-US" smtClean="0"/>
               <a:pPr/>
-              <a:t>2020/9/12</a:t>
+              <a:t>2020/11/13</a:t>
             </a:fld>
             <a:endParaRPr lang="zh-TW" altLang="en-US"/>
           </a:p>
@@ -654,7 +661,7 @@
             <a:fld id="{D33DC525-72F4-4C64-B99D-0B22188FF31E}" type="datetimeFigureOut">
               <a:rPr lang="zh-TW" altLang="en-US" smtClean="0"/>
               <a:pPr/>
-              <a:t>2020/9/12</a:t>
+              <a:t>2020/11/13</a:t>
             </a:fld>
             <a:endParaRPr lang="zh-TW" altLang="en-US"/>
           </a:p>
@@ -821,7 +828,7 @@
             <a:fld id="{D33DC525-72F4-4C64-B99D-0B22188FF31E}" type="datetimeFigureOut">
               <a:rPr lang="zh-TW" altLang="en-US" smtClean="0"/>
               <a:pPr/>
-              <a:t>2020/9/12</a:t>
+              <a:t>2020/11/13</a:t>
             </a:fld>
             <a:endParaRPr lang="zh-TW" altLang="en-US"/>
           </a:p>
@@ -1064,7 +1071,7 @@
             <a:fld id="{D33DC525-72F4-4C64-B99D-0B22188FF31E}" type="datetimeFigureOut">
               <a:rPr lang="zh-TW" altLang="en-US" smtClean="0"/>
               <a:pPr/>
-              <a:t>2020/9/12</a:t>
+              <a:t>2020/11/13</a:t>
             </a:fld>
             <a:endParaRPr lang="zh-TW" altLang="en-US"/>
           </a:p>
@@ -1349,7 +1356,7 @@
             <a:fld id="{D33DC525-72F4-4C64-B99D-0B22188FF31E}" type="datetimeFigureOut">
               <a:rPr lang="zh-TW" altLang="en-US" smtClean="0"/>
               <a:pPr/>
-              <a:t>2020/9/12</a:t>
+              <a:t>2020/11/13</a:t>
             </a:fld>
             <a:endParaRPr lang="zh-TW" altLang="en-US"/>
           </a:p>
@@ -1768,7 +1775,7 @@
             <a:fld id="{D33DC525-72F4-4C64-B99D-0B22188FF31E}" type="datetimeFigureOut">
               <a:rPr lang="zh-TW" altLang="en-US" smtClean="0"/>
               <a:pPr/>
-              <a:t>2020/9/12</a:t>
+              <a:t>2020/11/13</a:t>
             </a:fld>
             <a:endParaRPr lang="zh-TW" altLang="en-US"/>
           </a:p>
@@ -1883,7 +1890,7 @@
             <a:fld id="{D33DC525-72F4-4C64-B99D-0B22188FF31E}" type="datetimeFigureOut">
               <a:rPr lang="zh-TW" altLang="en-US" smtClean="0"/>
               <a:pPr/>
-              <a:t>2020/9/12</a:t>
+              <a:t>2020/11/13</a:t>
             </a:fld>
             <a:endParaRPr lang="zh-TW" altLang="en-US"/>
           </a:p>
@@ -1975,7 +1982,7 @@
             <a:fld id="{D33DC525-72F4-4C64-B99D-0B22188FF31E}" type="datetimeFigureOut">
               <a:rPr lang="zh-TW" altLang="en-US" smtClean="0"/>
               <a:pPr/>
-              <a:t>2020/9/12</a:t>
+              <a:t>2020/11/13</a:t>
             </a:fld>
             <a:endParaRPr lang="zh-TW" altLang="en-US"/>
           </a:p>
@@ -2249,7 +2256,7 @@
             <a:fld id="{D33DC525-72F4-4C64-B99D-0B22188FF31E}" type="datetimeFigureOut">
               <a:rPr lang="zh-TW" altLang="en-US" smtClean="0"/>
               <a:pPr/>
-              <a:t>2020/9/12</a:t>
+              <a:t>2020/11/13</a:t>
             </a:fld>
             <a:endParaRPr lang="zh-TW" altLang="en-US"/>
           </a:p>
@@ -2503,7 +2510,7 @@
             <a:fld id="{D33DC525-72F4-4C64-B99D-0B22188FF31E}" type="datetimeFigureOut">
               <a:rPr lang="zh-TW" altLang="en-US" smtClean="0"/>
               <a:pPr/>
-              <a:t>2020/9/12</a:t>
+              <a:t>2020/11/13</a:t>
             </a:fld>
             <a:endParaRPr lang="zh-TW" altLang="en-US"/>
           </a:p>
@@ -2718,7 +2725,7 @@
             <a:fld id="{D33DC525-72F4-4C64-B99D-0B22188FF31E}" type="datetimeFigureOut">
               <a:rPr lang="zh-TW" altLang="en-US" smtClean="0"/>
               <a:pPr/>
-              <a:t>2020/9/12</a:t>
+              <a:t>2020/11/13</a:t>
             </a:fld>
             <a:endParaRPr lang="zh-TW" altLang="en-US"/>
           </a:p>
@@ -3099,27 +3106,173 @@
             <p:ph type="title"/>
           </p:nvPr>
         </p:nvSpPr>
-        <p:spPr/>
+        <p:spPr>
+          <a:xfrm>
+            <a:off x="0" y="2857513"/>
+            <a:ext cx="12192000" cy="1143000"/>
+          </a:xfrm>
+        </p:spPr>
         <p:txBody>
           <a:bodyPr>
-            <a:normAutofit/>
+            <a:noAutofit/>
           </a:bodyPr>
           <a:lstStyle/>
           <a:p>
             <a:r>
-              <a:rPr lang="zh-CN" altLang="en-US" sz="4800" b="1" dirty="0" smtClean="0">
+              <a:rPr lang="zh-CN" altLang="en-US" sz="5333" b="1" u="sng" dirty="0">
+                <a:solidFill>
+                  <a:srgbClr val="000066"/>
+                </a:solidFill>
+                <a:effectLst>
+                  <a:outerShdw blurRad="38100" dist="38100" dir="2700000" algn="tl">
+                    <a:srgbClr val="000000">
+                      <a:alpha val="43137"/>
+                    </a:srgbClr>
+                  </a:outerShdw>
+                </a:effectLst>
                 <a:latin typeface="微軟正黑體" pitchFamily="34" charset="-120"/>
                 <a:ea typeface="微軟正黑體" pitchFamily="34" charset="-120"/>
               </a:rPr>
-              <a:t>像基督</a:t>
-            </a:r>
-            <a:endParaRPr lang="zh-TW" altLang="en-US" sz="4800" b="1" dirty="0">
+              <a:t>宣道詩 </a:t>
+            </a:r>
+            <a:r>
+              <a:rPr lang="en-US" altLang="zh-CN" sz="5333" b="1" u="sng" dirty="0">
+                <a:solidFill>
+                  <a:srgbClr val="000066"/>
+                </a:solidFill>
+                <a:effectLst>
+                  <a:outerShdw blurRad="38100" dist="38100" dir="2700000" algn="tl">
+                    <a:srgbClr val="000000">
+                      <a:alpha val="43137"/>
+                    </a:srgbClr>
+                  </a:outerShdw>
+                </a:effectLst>
+                <a:latin typeface="微軟正黑體" pitchFamily="34" charset="-120"/>
+                <a:ea typeface="微軟正黑體" pitchFamily="34" charset="-120"/>
+              </a:rPr>
+              <a:t>130</a:t>
+            </a:r>
+            <a:r>
+              <a:rPr lang="en-US" altLang="zh-CN" sz="7200" b="1" i="1" dirty="0">
+                <a:solidFill>
+                  <a:srgbClr val="660033"/>
+                </a:solidFill>
+                <a:effectLst>
+                  <a:outerShdw blurRad="38100" dist="38100" dir="2700000" algn="tl">
+                    <a:srgbClr val="000000">
+                      <a:alpha val="43137"/>
+                    </a:srgbClr>
+                  </a:outerShdw>
+                </a:effectLst>
+                <a:latin typeface="微軟正黑體" pitchFamily="34" charset="-120"/>
+                <a:ea typeface="微軟正黑體" pitchFamily="34" charset="-120"/>
+              </a:rPr>
+              <a:t/>
+            </a:r>
+            <a:br>
+              <a:rPr lang="en-US" altLang="zh-CN" sz="7200" b="1" i="1" dirty="0">
+                <a:solidFill>
+                  <a:srgbClr val="660033"/>
+                </a:solidFill>
+                <a:effectLst>
+                  <a:outerShdw blurRad="38100" dist="38100" dir="2700000" algn="tl">
+                    <a:srgbClr val="000000">
+                      <a:alpha val="43137"/>
+                    </a:srgbClr>
+                  </a:outerShdw>
+                </a:effectLst>
+                <a:latin typeface="微軟正黑體" pitchFamily="34" charset="-120"/>
+                <a:ea typeface="微軟正黑體" pitchFamily="34" charset="-120"/>
+              </a:rPr>
+            </a:br>
+            <a:r>
+              <a:rPr lang="zh-CN" altLang="en-US" sz="8000" b="1" dirty="0">
+                <a:solidFill>
+                  <a:srgbClr val="660033"/>
+                </a:solidFill>
+                <a:effectLst>
+                  <a:outerShdw blurRad="38100" dist="38100" dir="2700000" algn="tl">
+                    <a:srgbClr val="000000">
+                      <a:alpha val="43137"/>
+                    </a:srgbClr>
+                  </a:outerShdw>
+                </a:effectLst>
+                <a:latin typeface="微軟正黑體" pitchFamily="34" charset="-120"/>
+                <a:ea typeface="微軟正黑體" pitchFamily="34" charset="-120"/>
+              </a:rPr>
+              <a:t>像</a:t>
+            </a:r>
+            <a:r>
+              <a:rPr lang="zh-CN" altLang="en-US" sz="8000" b="1" dirty="0">
+                <a:solidFill>
+                  <a:srgbClr val="660033"/>
+                </a:solidFill>
+                <a:effectLst>
+                  <a:outerShdw blurRad="38100" dist="38100" dir="2700000" algn="tl">
+                    <a:srgbClr val="000000">
+                      <a:alpha val="43137"/>
+                    </a:srgbClr>
+                  </a:outerShdw>
+                </a:effectLst>
+                <a:latin typeface="微軟正黑體" pitchFamily="34" charset="-120"/>
+                <a:ea typeface="微軟正黑體" pitchFamily="34" charset="-120"/>
+              </a:rPr>
+              <a:t>基督</a:t>
+            </a:r>
+            <a:endParaRPr lang="zh-TW" altLang="en-US" sz="8000" b="1" dirty="0">
+              <a:solidFill>
+                <a:srgbClr val="660033"/>
+              </a:solidFill>
+              <a:effectLst>
+                <a:outerShdw blurRad="38100" dist="38100" dir="2700000" algn="tl">
+                  <a:srgbClr val="000000">
+                    <a:alpha val="43137"/>
+                  </a:srgbClr>
+                </a:outerShdw>
+              </a:effectLst>
               <a:latin typeface="微軟正黑體" pitchFamily="34" charset="-120"/>
               <a:ea typeface="微軟正黑體" pitchFamily="34" charset="-120"/>
             </a:endParaRPr>
           </a:p>
         </p:txBody>
       </p:sp>
+    </p:spTree>
+    <p:extLst>
+      <p:ext uri="{BB962C8B-B14F-4D97-AF65-F5344CB8AC3E}">
+        <p14:creationId xmlns:p14="http://schemas.microsoft.com/office/powerpoint/2010/main" val="2363661471"/>
+      </p:ext>
+    </p:extLst>
+  </p:cSld>
+  <p:clrMapOvr>
+    <a:masterClrMapping/>
+  </p:clrMapOvr>
+  <p:timing>
+    <p:tnLst>
+      <p:par>
+        <p:cTn id="1" dur="indefinite" restart="never" nodeType="tmRoot"/>
+      </p:par>
+    </p:tnLst>
+  </p:timing>
+</p:sld>
+</file>
+
+<file path=ppt/slides/slide10.xml><?xml version="1.0" encoding="utf-8"?>
+<p:sld xmlns:a="http://schemas.openxmlformats.org/drawingml/2006/main" xmlns:r="http://schemas.openxmlformats.org/officeDocument/2006/relationships" xmlns:p="http://schemas.openxmlformats.org/presentationml/2006/main">
+  <p:cSld>
+    <p:spTree>
+      <p:nvGrpSpPr>
+        <p:cNvPr id="1" name=""/>
+        <p:cNvGrpSpPr/>
+        <p:nvPr/>
+      </p:nvGrpSpPr>
+      <p:grpSpPr>
+        <a:xfrm>
+          <a:off x="0" y="0"/>
+          <a:ext cx="0" cy="0"/>
+          <a:chOff x="0" y="0"/>
+          <a:chExt cx="0" cy="0"/>
+        </a:xfrm>
+      </p:grpSpPr>
       <p:sp>
         <p:nvSpPr>
           <p:cNvPr id="5" name="內容版面配置區 4"/>
@@ -3130,9 +3283,14 @@
             <p:ph idx="1"/>
           </p:nvPr>
         </p:nvSpPr>
-        <p:spPr/>
-        <p:txBody>
-          <a:bodyPr>
+        <p:spPr>
+          <a:xfrm>
+            <a:off x="0" y="2084853"/>
+            <a:ext cx="12192000" cy="2404863"/>
+          </a:xfrm>
+        </p:spPr>
+        <p:txBody>
+          <a:bodyPr anchor="ctr">
             <a:normAutofit/>
           </a:bodyPr>
           <a:lstStyle/>
@@ -3141,11 +3299,14 @@
               <a:buNone/>
             </a:pPr>
             <a:r>
-              <a:rPr lang="zh-TW" altLang="en-US" sz="5400" b="1" dirty="0">
+              <a:rPr lang="zh-TW" altLang="en-US" sz="6400" b="1" dirty="0">
+                <a:solidFill>
+                  <a:srgbClr val="660033"/>
+                </a:solidFill>
                 <a:latin typeface="微軟正黑體" pitchFamily="34" charset="-120"/>
                 <a:ea typeface="微軟正黑體" pitchFamily="34" charset="-120"/>
               </a:rPr>
-              <a:t>榮耀之救主我真願像你</a:t>
+              <a:t>主我願像你滿有憐憫心</a:t>
             </a:r>
           </a:p>
           <a:p>
@@ -3153,49 +3314,35 @@
               <a:buNone/>
             </a:pPr>
             <a:r>
-              <a:rPr lang="zh-TW" altLang="en-US" sz="5400" b="1" dirty="0">
+              <a:rPr lang="zh-TW" altLang="en-US" sz="6400" b="1" dirty="0">
+                <a:solidFill>
+                  <a:srgbClr val="660033"/>
+                </a:solidFill>
                 <a:latin typeface="微軟正黑體" pitchFamily="34" charset="-120"/>
                 <a:ea typeface="微軟正黑體" pitchFamily="34" charset="-120"/>
               </a:rPr>
-              <a:t>此是我盼望乃我禱告</a:t>
-            </a:r>
-          </a:p>
-          <a:p>
-            <a:pPr algn="ctr">
-              <a:buNone/>
-            </a:pPr>
-            <a:r>
-              <a:rPr lang="zh-TW" altLang="en-US" sz="5400" b="1" dirty="0">
-                <a:latin typeface="微軟正黑體" pitchFamily="34" charset="-120"/>
-                <a:ea typeface="微軟正黑體" pitchFamily="34" charset="-120"/>
-              </a:rPr>
-              <a:t>我今願捨棄世上之財寶</a:t>
-            </a:r>
-          </a:p>
-          <a:p>
-            <a:pPr algn="ctr">
-              <a:buNone/>
-            </a:pPr>
-            <a:r>
-              <a:rPr lang="zh-TW" altLang="en-US" sz="5400" b="1" dirty="0">
-                <a:latin typeface="微軟正黑體" pitchFamily="34" charset="-120"/>
-                <a:ea typeface="微軟正黑體" pitchFamily="34" charset="-120"/>
-              </a:rPr>
-              <a:t>披戴主基督守主聖道</a:t>
-            </a:r>
-          </a:p>
-        </p:txBody>
-      </p:sp>
-      <p:sp>
-        <p:nvSpPr>
-          <p:cNvPr id="2" name="TextBox 1"/>
+              <a:t>溫柔和良善謙卑愛人</a:t>
+            </a:r>
+            <a:endParaRPr lang="zh-TW" altLang="en-US" sz="6400" b="1" dirty="0">
+              <a:solidFill>
+                <a:srgbClr val="660033"/>
+              </a:solidFill>
+              <a:latin typeface="微軟正黑體" pitchFamily="34" charset="-120"/>
+              <a:ea typeface="微軟正黑體" pitchFamily="34" charset="-120"/>
+            </a:endParaRPr>
+          </a:p>
+        </p:txBody>
+      </p:sp>
+      <p:sp>
+        <p:nvSpPr>
+          <p:cNvPr id="3" name="TextBox 2"/>
           <p:cNvSpPr txBox="1"/>
           <p:nvPr/>
         </p:nvSpPr>
         <p:spPr>
           <a:xfrm>
-            <a:off x="983432" y="1608941"/>
-            <a:ext cx="1008112" cy="1015663"/>
+            <a:off x="527381" y="2180862"/>
+            <a:ext cx="1248139" cy="1200329"/>
           </a:xfrm>
           <a:prstGeom prst="rect">
             <a:avLst/>
@@ -3209,18 +3356,383 @@
           <a:lstStyle/>
           <a:p>
             <a:r>
-              <a:rPr lang="en-US" sz="6000" b="1" dirty="0" smtClean="0"/>
-              <a:t>1.</a:t>
-            </a:r>
-            <a:endParaRPr lang="vi-VN" sz="6000" b="1" dirty="0"/>
+              <a:rPr lang="en-US" sz="7200" b="1" dirty="0">
+                <a:solidFill>
+                  <a:srgbClr val="660033"/>
+                </a:solidFill>
+              </a:rPr>
+              <a:t>3</a:t>
+            </a:r>
+            <a:r>
+              <a:rPr lang="en-US" sz="7200" b="1" dirty="0">
+                <a:solidFill>
+                  <a:srgbClr val="660033"/>
+                </a:solidFill>
+              </a:rPr>
+              <a:t>.</a:t>
+            </a:r>
+            <a:endParaRPr lang="vi-VN" sz="7200" b="1" dirty="0">
+              <a:solidFill>
+                <a:srgbClr val="660033"/>
+              </a:solidFill>
+            </a:endParaRPr>
           </a:p>
         </p:txBody>
       </p:sp>
     </p:spTree>
+    <p:extLst>
+      <p:ext uri="{BB962C8B-B14F-4D97-AF65-F5344CB8AC3E}">
+        <p14:creationId xmlns:p14="http://schemas.microsoft.com/office/powerpoint/2010/main" val="3711888410"/>
+      </p:ext>
+    </p:extLst>
   </p:cSld>
   <p:clrMapOvr>
     <a:masterClrMapping/>
   </p:clrMapOvr>
+  <p:timing>
+    <p:tnLst>
+      <p:par>
+        <p:cTn id="1" dur="indefinite" restart="never" nodeType="tmRoot"/>
+      </p:par>
+    </p:tnLst>
+  </p:timing>
+</p:sld>
+</file>
+
+<file path=ppt/slides/slide11.xml><?xml version="1.0" encoding="utf-8"?>
+<p:sld xmlns:a="http://schemas.openxmlformats.org/drawingml/2006/main" xmlns:r="http://schemas.openxmlformats.org/officeDocument/2006/relationships" xmlns:p="http://schemas.openxmlformats.org/presentationml/2006/main">
+  <p:cSld>
+    <p:spTree>
+      <p:nvGrpSpPr>
+        <p:cNvPr id="1" name=""/>
+        <p:cNvGrpSpPr/>
+        <p:nvPr/>
+      </p:nvGrpSpPr>
+      <p:grpSpPr>
+        <a:xfrm>
+          <a:off x="0" y="0"/>
+          <a:ext cx="0" cy="0"/>
+          <a:chOff x="0" y="0"/>
+          <a:chExt cx="0" cy="0"/>
+        </a:xfrm>
+      </p:grpSpPr>
+      <p:sp>
+        <p:nvSpPr>
+          <p:cNvPr id="5" name="內容版面配置區 4"/>
+          <p:cNvSpPr>
+            <a:spLocks noGrp="1"/>
+          </p:cNvSpPr>
+          <p:nvPr>
+            <p:ph idx="1"/>
+          </p:nvPr>
+        </p:nvSpPr>
+        <p:spPr>
+          <a:xfrm>
+            <a:off x="0" y="2084853"/>
+            <a:ext cx="12192000" cy="2404863"/>
+          </a:xfrm>
+        </p:spPr>
+        <p:txBody>
+          <a:bodyPr anchor="ctr">
+            <a:normAutofit/>
+          </a:bodyPr>
+          <a:lstStyle/>
+          <a:p>
+            <a:pPr algn="ctr">
+              <a:buNone/>
+            </a:pPr>
+            <a:r>
+              <a:rPr lang="zh-TW" altLang="en-US" sz="6400" b="1" dirty="0">
+                <a:solidFill>
+                  <a:srgbClr val="660033"/>
+                </a:solidFill>
+                <a:latin typeface="微軟正黑體" pitchFamily="34" charset="-120"/>
+                <a:ea typeface="微軟正黑體" pitchFamily="34" charset="-120"/>
+              </a:rPr>
+              <a:t>求主賜能力拯救迷亡羊</a:t>
+            </a:r>
+          </a:p>
+          <a:p>
+            <a:pPr algn="ctr">
+              <a:buNone/>
+            </a:pPr>
+            <a:r>
+              <a:rPr lang="zh-TW" altLang="en-US" sz="6400" b="1" dirty="0">
+                <a:solidFill>
+                  <a:srgbClr val="660033"/>
+                </a:solidFill>
+                <a:latin typeface="微軟正黑體" pitchFamily="34" charset="-120"/>
+                <a:ea typeface="微軟正黑體" pitchFamily="34" charset="-120"/>
+              </a:rPr>
+              <a:t>尋找失喪者同歸天庭</a:t>
+            </a:r>
+            <a:endParaRPr lang="zh-TW" altLang="en-US" sz="6400" b="1" dirty="0">
+              <a:solidFill>
+                <a:srgbClr val="660033"/>
+              </a:solidFill>
+              <a:latin typeface="微軟正黑體" pitchFamily="34" charset="-120"/>
+              <a:ea typeface="微軟正黑體" pitchFamily="34" charset="-120"/>
+            </a:endParaRPr>
+          </a:p>
+        </p:txBody>
+      </p:sp>
+      <p:sp>
+        <p:nvSpPr>
+          <p:cNvPr id="3" name="TextBox 2"/>
+          <p:cNvSpPr txBox="1"/>
+          <p:nvPr/>
+        </p:nvSpPr>
+        <p:spPr>
+          <a:xfrm>
+            <a:off x="527381" y="2180862"/>
+            <a:ext cx="1248139" cy="1200329"/>
+          </a:xfrm>
+          <a:prstGeom prst="rect">
+            <a:avLst/>
+          </a:prstGeom>
+          <a:noFill/>
+        </p:spPr>
+        <p:txBody>
+          <a:bodyPr wrap="square" rtlCol="0">
+            <a:spAutoFit/>
+          </a:bodyPr>
+          <a:lstStyle/>
+          <a:p>
+            <a:r>
+              <a:rPr lang="en-US" sz="7200" b="1" dirty="0">
+                <a:solidFill>
+                  <a:srgbClr val="660033"/>
+                </a:solidFill>
+              </a:rPr>
+              <a:t>3</a:t>
+            </a:r>
+            <a:r>
+              <a:rPr lang="en-US" sz="7200" b="1" dirty="0">
+                <a:solidFill>
+                  <a:srgbClr val="660033"/>
+                </a:solidFill>
+              </a:rPr>
+              <a:t>.</a:t>
+            </a:r>
+            <a:endParaRPr lang="vi-VN" sz="7200" b="1" dirty="0">
+              <a:solidFill>
+                <a:srgbClr val="660033"/>
+              </a:solidFill>
+            </a:endParaRPr>
+          </a:p>
+        </p:txBody>
+      </p:sp>
+    </p:spTree>
+    <p:extLst>
+      <p:ext uri="{BB962C8B-B14F-4D97-AF65-F5344CB8AC3E}">
+        <p14:creationId xmlns:p14="http://schemas.microsoft.com/office/powerpoint/2010/main" val="3534932596"/>
+      </p:ext>
+    </p:extLst>
+  </p:cSld>
+  <p:clrMapOvr>
+    <a:masterClrMapping/>
+  </p:clrMapOvr>
+  <p:timing>
+    <p:tnLst>
+      <p:par>
+        <p:cTn id="1" dur="indefinite" restart="never" nodeType="tmRoot"/>
+      </p:par>
+    </p:tnLst>
+  </p:timing>
+</p:sld>
+</file>
+
+<file path=ppt/slides/slide12.xml><?xml version="1.0" encoding="utf-8"?>
+<p:sld xmlns:a="http://schemas.openxmlformats.org/drawingml/2006/main" xmlns:r="http://schemas.openxmlformats.org/officeDocument/2006/relationships" xmlns:p="http://schemas.openxmlformats.org/presentationml/2006/main">
+  <p:cSld>
+    <p:spTree>
+      <p:nvGrpSpPr>
+        <p:cNvPr id="1" name=""/>
+        <p:cNvGrpSpPr/>
+        <p:nvPr/>
+      </p:nvGrpSpPr>
+      <p:grpSpPr>
+        <a:xfrm>
+          <a:off x="0" y="0"/>
+          <a:ext cx="0" cy="0"/>
+          <a:chOff x="0" y="0"/>
+          <a:chExt cx="0" cy="0"/>
+        </a:xfrm>
+      </p:grpSpPr>
+      <p:sp>
+        <p:nvSpPr>
+          <p:cNvPr id="5" name="內容版面配置區 4"/>
+          <p:cNvSpPr>
+            <a:spLocks noGrp="1"/>
+          </p:cNvSpPr>
+          <p:nvPr>
+            <p:ph idx="1"/>
+          </p:nvPr>
+        </p:nvSpPr>
+        <p:spPr>
+          <a:xfrm>
+            <a:off x="0" y="2084853"/>
+            <a:ext cx="12192000" cy="2404863"/>
+          </a:xfrm>
+        </p:spPr>
+        <p:txBody>
+          <a:bodyPr anchor="ctr">
+            <a:normAutofit/>
+          </a:bodyPr>
+          <a:lstStyle/>
+          <a:p>
+            <a:pPr algn="ctr">
+              <a:buNone/>
+            </a:pPr>
+            <a:r>
+              <a:rPr lang="zh-TW" altLang="en-US" sz="6400" b="1" dirty="0">
+                <a:solidFill>
+                  <a:srgbClr val="660033"/>
+                </a:solidFill>
+                <a:latin typeface="微軟正黑體" pitchFamily="34" charset="-120"/>
+                <a:ea typeface="微軟正黑體" pitchFamily="34" charset="-120"/>
+              </a:rPr>
+              <a:t>主我願像你  主我願像你</a:t>
+            </a:r>
+          </a:p>
+          <a:p>
+            <a:pPr algn="ctr">
+              <a:buNone/>
+            </a:pPr>
+            <a:r>
+              <a:rPr lang="zh-TW" altLang="en-US" sz="6400" b="1" dirty="0">
+                <a:solidFill>
+                  <a:srgbClr val="660033"/>
+                </a:solidFill>
+                <a:latin typeface="微軟正黑體" pitchFamily="34" charset="-120"/>
+                <a:ea typeface="微軟正黑體" pitchFamily="34" charset="-120"/>
+              </a:rPr>
+              <a:t>榮耀之救主  潔淨像你</a:t>
+            </a:r>
+            <a:endParaRPr lang="zh-TW" altLang="en-US" sz="6400" b="1" dirty="0">
+              <a:solidFill>
+                <a:srgbClr val="660033"/>
+              </a:solidFill>
+              <a:latin typeface="微軟正黑體" pitchFamily="34" charset="-120"/>
+              <a:ea typeface="微軟正黑體" pitchFamily="34" charset="-120"/>
+            </a:endParaRPr>
+          </a:p>
+        </p:txBody>
+      </p:sp>
+    </p:spTree>
+    <p:extLst>
+      <p:ext uri="{BB962C8B-B14F-4D97-AF65-F5344CB8AC3E}">
+        <p14:creationId xmlns:p14="http://schemas.microsoft.com/office/powerpoint/2010/main" val="1743306861"/>
+      </p:ext>
+    </p:extLst>
+  </p:cSld>
+  <p:clrMapOvr>
+    <a:masterClrMapping/>
+  </p:clrMapOvr>
+  <p:timing>
+    <p:tnLst>
+      <p:par>
+        <p:cTn id="1" dur="indefinite" restart="never" nodeType="tmRoot"/>
+      </p:par>
+    </p:tnLst>
+  </p:timing>
+</p:sld>
+</file>
+
+<file path=ppt/slides/slide13.xml><?xml version="1.0" encoding="utf-8"?>
+<p:sld xmlns:a="http://schemas.openxmlformats.org/drawingml/2006/main" xmlns:r="http://schemas.openxmlformats.org/officeDocument/2006/relationships" xmlns:p="http://schemas.openxmlformats.org/presentationml/2006/main">
+  <p:cSld>
+    <p:spTree>
+      <p:nvGrpSpPr>
+        <p:cNvPr id="1" name=""/>
+        <p:cNvGrpSpPr/>
+        <p:nvPr/>
+      </p:nvGrpSpPr>
+      <p:grpSpPr>
+        <a:xfrm>
+          <a:off x="0" y="0"/>
+          <a:ext cx="0" cy="0"/>
+          <a:chOff x="0" y="0"/>
+          <a:chExt cx="0" cy="0"/>
+        </a:xfrm>
+      </p:grpSpPr>
+      <p:sp>
+        <p:nvSpPr>
+          <p:cNvPr id="5" name="內容版面配置區 4"/>
+          <p:cNvSpPr>
+            <a:spLocks noGrp="1"/>
+          </p:cNvSpPr>
+          <p:nvPr>
+            <p:ph idx="1"/>
+          </p:nvPr>
+        </p:nvSpPr>
+        <p:spPr>
+          <a:xfrm>
+            <a:off x="0" y="2084853"/>
+            <a:ext cx="12192000" cy="2404863"/>
+          </a:xfrm>
+        </p:spPr>
+        <p:txBody>
+          <a:bodyPr anchor="ctr">
+            <a:normAutofit/>
+          </a:bodyPr>
+          <a:lstStyle/>
+          <a:p>
+            <a:pPr algn="ctr">
+              <a:buNone/>
+            </a:pPr>
+            <a:r>
+              <a:rPr lang="zh-TW" altLang="en-US" sz="6400" b="1" dirty="0">
+                <a:solidFill>
+                  <a:srgbClr val="660033"/>
+                </a:solidFill>
+                <a:latin typeface="微軟正黑體" pitchFamily="34" charset="-120"/>
+                <a:ea typeface="微軟正黑體" pitchFamily="34" charset="-120"/>
+              </a:rPr>
+              <a:t>願豐富恩典進入我心裡</a:t>
+            </a:r>
+          </a:p>
+          <a:p>
+            <a:pPr algn="ctr">
+              <a:buNone/>
+            </a:pPr>
+            <a:r>
+              <a:rPr lang="zh-TW" altLang="en-US" sz="6400" b="1" dirty="0">
+                <a:solidFill>
+                  <a:srgbClr val="660033"/>
+                </a:solidFill>
+                <a:latin typeface="微軟正黑體" pitchFamily="34" charset="-120"/>
+                <a:ea typeface="微軟正黑體" pitchFamily="34" charset="-120"/>
+              </a:rPr>
+              <a:t>致主之榮形深印心裡</a:t>
+            </a:r>
+            <a:endParaRPr lang="zh-TW" altLang="en-US" sz="6400" b="1" dirty="0">
+              <a:solidFill>
+                <a:srgbClr val="660033"/>
+              </a:solidFill>
+              <a:latin typeface="微軟正黑體" pitchFamily="34" charset="-120"/>
+              <a:ea typeface="微軟正黑體" pitchFamily="34" charset="-120"/>
+            </a:endParaRPr>
+          </a:p>
+        </p:txBody>
+      </p:sp>
+    </p:spTree>
+    <p:extLst>
+      <p:ext uri="{BB962C8B-B14F-4D97-AF65-F5344CB8AC3E}">
+        <p14:creationId xmlns:p14="http://schemas.microsoft.com/office/powerpoint/2010/main" val="1311917225"/>
+      </p:ext>
+    </p:extLst>
+  </p:cSld>
+  <p:clrMapOvr>
+    <a:masterClrMapping/>
+  </p:clrMapOvr>
+  <p:timing>
+    <p:tnLst>
+      <p:par>
+        <p:cTn id="1" dur="indefinite" restart="never" nodeType="tmRoot"/>
+      </p:par>
+    </p:tnLst>
+  </p:timing>
 </p:sld>
 </file>
 
@@ -3243,29 +3755,58 @@
       </p:grpSpPr>
       <p:sp>
         <p:nvSpPr>
-          <p:cNvPr id="4" name="標題 3"/>
-          <p:cNvSpPr>
-            <a:spLocks noGrp="1"/>
-          </p:cNvSpPr>
-          <p:nvPr>
-            <p:ph type="title"/>
-          </p:nvPr>
-        </p:nvSpPr>
-        <p:spPr/>
-        <p:txBody>
-          <a:bodyPr>
+          <p:cNvPr id="5" name="內容版面配置區 4"/>
+          <p:cNvSpPr>
+            <a:spLocks noGrp="1"/>
+          </p:cNvSpPr>
+          <p:nvPr>
+            <p:ph idx="1"/>
+          </p:nvPr>
+        </p:nvSpPr>
+        <p:spPr>
+          <a:xfrm>
+            <a:off x="0" y="2084853"/>
+            <a:ext cx="12192000" cy="2404863"/>
+          </a:xfrm>
+        </p:spPr>
+        <p:txBody>
+          <a:bodyPr anchor="ctr">
             <a:normAutofit/>
           </a:bodyPr>
           <a:lstStyle/>
           <a:p>
-            <a:r>
-              <a:rPr lang="zh-CN" altLang="en-US" sz="4800" b="1" dirty="0">
+            <a:pPr algn="ctr">
+              <a:buNone/>
+            </a:pPr>
+            <a:r>
+              <a:rPr lang="zh-TW" altLang="en-US" sz="6400" b="1" dirty="0">
+                <a:solidFill>
+                  <a:srgbClr val="660033"/>
+                </a:solidFill>
                 <a:latin typeface="微軟正黑體" pitchFamily="34" charset="-120"/>
                 <a:ea typeface="微軟正黑體" pitchFamily="34" charset="-120"/>
               </a:rPr>
-              <a:t>像基督</a:t>
-            </a:r>
-            <a:endParaRPr lang="zh-TW" altLang="en-US" sz="4800" b="1" dirty="0">
+              <a:t>榮耀之救主我真願像你</a:t>
+            </a:r>
+          </a:p>
+          <a:p>
+            <a:pPr algn="ctr">
+              <a:buNone/>
+            </a:pPr>
+            <a:r>
+              <a:rPr lang="zh-TW" altLang="en-US" sz="6400" b="1" dirty="0">
+                <a:solidFill>
+                  <a:srgbClr val="660033"/>
+                </a:solidFill>
+                <a:latin typeface="微軟正黑體" pitchFamily="34" charset="-120"/>
+                <a:ea typeface="微軟正黑體" pitchFamily="34" charset="-120"/>
+              </a:rPr>
+              <a:t>此是我盼望乃我禱告</a:t>
+            </a:r>
+            <a:endParaRPr lang="zh-TW" altLang="en-US" sz="6400" b="1" dirty="0">
+              <a:solidFill>
+                <a:srgbClr val="660033"/>
+              </a:solidFill>
               <a:latin typeface="微軟正黑體" pitchFamily="34" charset="-120"/>
               <a:ea typeface="微軟正黑體" pitchFamily="34" charset="-120"/>
             </a:endParaRPr>
@@ -3274,75 +3815,59 @@
       </p:sp>
       <p:sp>
         <p:nvSpPr>
-          <p:cNvPr id="5" name="內容版面配置區 4"/>
-          <p:cNvSpPr>
-            <a:spLocks noGrp="1"/>
-          </p:cNvSpPr>
-          <p:nvPr>
-            <p:ph idx="1"/>
-          </p:nvPr>
-        </p:nvSpPr>
-        <p:spPr/>
-        <p:txBody>
-          <a:bodyPr>
-            <a:normAutofit/>
+          <p:cNvPr id="3" name="TextBox 2"/>
+          <p:cNvSpPr txBox="1"/>
+          <p:nvPr/>
+        </p:nvSpPr>
+        <p:spPr>
+          <a:xfrm>
+            <a:off x="527381" y="2180862"/>
+            <a:ext cx="1248139" cy="1200329"/>
+          </a:xfrm>
+          <a:prstGeom prst="rect">
+            <a:avLst/>
+          </a:prstGeom>
+          <a:noFill/>
+        </p:spPr>
+        <p:txBody>
+          <a:bodyPr wrap="square" rtlCol="0">
+            <a:spAutoFit/>
           </a:bodyPr>
           <a:lstStyle/>
           <a:p>
-            <a:pPr algn="ctr">
-              <a:buNone/>
-            </a:pPr>
-            <a:r>
-              <a:rPr lang="zh-TW" altLang="en-US" sz="5400" b="1" dirty="0">
-                <a:latin typeface="微軟正黑體" pitchFamily="34" charset="-120"/>
-                <a:ea typeface="微軟正黑體" pitchFamily="34" charset="-120"/>
+            <a:r>
+              <a:rPr lang="en-US" sz="7200" b="1" dirty="0">
+                <a:solidFill>
+                  <a:srgbClr val="660033"/>
+                </a:solidFill>
               </a:rPr>
-              <a:t>主我願像你 主我願像你</a:t>
-            </a:r>
-          </a:p>
-          <a:p>
-            <a:pPr algn="ctr">
-              <a:buNone/>
-            </a:pPr>
-            <a:r>
-              <a:rPr lang="zh-TW" altLang="en-US" sz="5400" b="1" dirty="0">
-                <a:latin typeface="微軟正黑體" pitchFamily="34" charset="-120"/>
-                <a:ea typeface="微軟正黑體" pitchFamily="34" charset="-120"/>
-              </a:rPr>
-              <a:t>榮耀之救主 潔淨像你</a:t>
-            </a:r>
-          </a:p>
-          <a:p>
-            <a:pPr algn="ctr">
-              <a:buNone/>
-            </a:pPr>
-            <a:r>
-              <a:rPr lang="zh-TW" altLang="en-US" sz="5400" b="1" dirty="0">
-                <a:latin typeface="微軟正黑體" pitchFamily="34" charset="-120"/>
-                <a:ea typeface="微軟正黑體" pitchFamily="34" charset="-120"/>
-              </a:rPr>
-              <a:t>願豐富恩典進入我心裡</a:t>
-            </a:r>
-          </a:p>
-          <a:p>
-            <a:pPr algn="ctr">
-              <a:buNone/>
-            </a:pPr>
-            <a:r>
-              <a:rPr lang="zh-TW" altLang="en-US" sz="5400" b="1" dirty="0">
-                <a:latin typeface="微軟正黑體" pitchFamily="34" charset="-120"/>
-                <a:ea typeface="微軟正黑體" pitchFamily="34" charset="-120"/>
-              </a:rPr>
-              <a:t>致主之榮形深印心裡</a:t>
-            </a:r>
+              <a:t>1.</a:t>
+            </a:r>
+            <a:endParaRPr lang="vi-VN" sz="7200" b="1" dirty="0">
+              <a:solidFill>
+                <a:srgbClr val="660033"/>
+              </a:solidFill>
+            </a:endParaRPr>
           </a:p>
         </p:txBody>
       </p:sp>
     </p:spTree>
+    <p:extLst>
+      <p:ext uri="{BB962C8B-B14F-4D97-AF65-F5344CB8AC3E}">
+        <p14:creationId xmlns:p14="http://schemas.microsoft.com/office/powerpoint/2010/main" val="3229942365"/>
+      </p:ext>
+    </p:extLst>
   </p:cSld>
   <p:clrMapOvr>
     <a:masterClrMapping/>
   </p:clrMapOvr>
+  <p:timing>
+    <p:tnLst>
+      <p:par>
+        <p:cTn id="1" dur="indefinite" restart="never" nodeType="tmRoot"/>
+      </p:par>
+    </p:tnLst>
+  </p:timing>
 </p:sld>
 </file>
 
@@ -3365,29 +3890,58 @@
       </p:grpSpPr>
       <p:sp>
         <p:nvSpPr>
-          <p:cNvPr id="4" name="標題 3"/>
-          <p:cNvSpPr>
-            <a:spLocks noGrp="1"/>
-          </p:cNvSpPr>
-          <p:nvPr>
-            <p:ph type="title"/>
-          </p:nvPr>
-        </p:nvSpPr>
-        <p:spPr/>
-        <p:txBody>
-          <a:bodyPr>
+          <p:cNvPr id="5" name="內容版面配置區 4"/>
+          <p:cNvSpPr>
+            <a:spLocks noGrp="1"/>
+          </p:cNvSpPr>
+          <p:nvPr>
+            <p:ph idx="1"/>
+          </p:nvPr>
+        </p:nvSpPr>
+        <p:spPr>
+          <a:xfrm>
+            <a:off x="0" y="2084853"/>
+            <a:ext cx="12192000" cy="2404863"/>
+          </a:xfrm>
+        </p:spPr>
+        <p:txBody>
+          <a:bodyPr anchor="ctr">
             <a:normAutofit/>
           </a:bodyPr>
           <a:lstStyle/>
           <a:p>
-            <a:r>
-              <a:rPr lang="zh-CN" altLang="en-US" sz="4800" b="1" dirty="0">
+            <a:pPr algn="ctr">
+              <a:buNone/>
+            </a:pPr>
+            <a:r>
+              <a:rPr lang="zh-TW" altLang="en-US" sz="6400" b="1" dirty="0">
+                <a:solidFill>
+                  <a:srgbClr val="660033"/>
+                </a:solidFill>
                 <a:latin typeface="微軟正黑體" pitchFamily="34" charset="-120"/>
                 <a:ea typeface="微軟正黑體" pitchFamily="34" charset="-120"/>
               </a:rPr>
-              <a:t>像基督</a:t>
-            </a:r>
-            <a:endParaRPr lang="zh-TW" altLang="en-US" sz="4800" b="1" dirty="0">
+              <a:t>我今願捨棄世上之財寶</a:t>
+            </a:r>
+          </a:p>
+          <a:p>
+            <a:pPr algn="ctr">
+              <a:buNone/>
+            </a:pPr>
+            <a:r>
+              <a:rPr lang="zh-TW" altLang="en-US" sz="6400" b="1" dirty="0">
+                <a:solidFill>
+                  <a:srgbClr val="660033"/>
+                </a:solidFill>
+                <a:latin typeface="微軟正黑體" pitchFamily="34" charset="-120"/>
+                <a:ea typeface="微軟正黑體" pitchFamily="34" charset="-120"/>
+              </a:rPr>
+              <a:t>披戴主基督守主聖道</a:t>
+            </a:r>
+            <a:endParaRPr lang="zh-TW" altLang="en-US" sz="6400" b="1" dirty="0">
+              <a:solidFill>
+                <a:srgbClr val="660033"/>
+              </a:solidFill>
               <a:latin typeface="微軟正黑體" pitchFamily="34" charset="-120"/>
               <a:ea typeface="微軟正黑體" pitchFamily="34" charset="-120"/>
             </a:endParaRPr>
@@ -3396,80 +3950,14 @@
       </p:sp>
       <p:sp>
         <p:nvSpPr>
-          <p:cNvPr id="5" name="內容版面配置區 4"/>
-          <p:cNvSpPr>
-            <a:spLocks noGrp="1"/>
-          </p:cNvSpPr>
-          <p:nvPr>
-            <p:ph idx="1"/>
-          </p:nvPr>
-        </p:nvSpPr>
-        <p:spPr/>
-        <p:txBody>
-          <a:bodyPr>
-            <a:normAutofit/>
-          </a:bodyPr>
-          <a:lstStyle/>
-          <a:p>
-            <a:pPr algn="ctr">
-              <a:buNone/>
-            </a:pPr>
-            <a:r>
-              <a:rPr lang="zh-TW" altLang="en-US" sz="5400" b="1" dirty="0">
-                <a:latin typeface="微軟正黑體" pitchFamily="34" charset="-120"/>
-                <a:ea typeface="微軟正黑體" pitchFamily="34" charset="-120"/>
-              </a:rPr>
-              <a:t>榮耀之救主聽我之呼求</a:t>
-            </a:r>
-          </a:p>
-          <a:p>
-            <a:pPr algn="ctr">
-              <a:buNone/>
-            </a:pPr>
-            <a:r>
-              <a:rPr lang="zh-TW" altLang="en-US" sz="5400" b="1" dirty="0">
-                <a:latin typeface="微軟正黑體" pitchFamily="34" charset="-120"/>
-                <a:ea typeface="微軟正黑體" pitchFamily="34" charset="-120"/>
-              </a:rPr>
-              <a:t>降下聖靈火焚去罪污</a:t>
-            </a:r>
-          </a:p>
-          <a:p>
-            <a:pPr algn="ctr">
-              <a:buNone/>
-            </a:pPr>
-            <a:r>
-              <a:rPr lang="zh-TW" altLang="en-US" sz="5400" b="1" dirty="0">
-                <a:latin typeface="微軟正黑體" pitchFamily="34" charset="-120"/>
-                <a:ea typeface="微軟正黑體" pitchFamily="34" charset="-120"/>
-              </a:rPr>
-              <a:t>使心成聖殿合乎主居住</a:t>
-            </a:r>
-          </a:p>
-          <a:p>
-            <a:pPr algn="ctr">
-              <a:buNone/>
-            </a:pPr>
-            <a:r>
-              <a:rPr lang="zh-TW" altLang="en-US" sz="5400" b="1" dirty="0">
-                <a:latin typeface="微軟正黑體" pitchFamily="34" charset="-120"/>
-                <a:ea typeface="微軟正黑體" pitchFamily="34" charset="-120"/>
-              </a:rPr>
-              <a:t>更使我生命榮耀我主</a:t>
-            </a:r>
-          </a:p>
-        </p:txBody>
-      </p:sp>
-      <p:sp>
-        <p:nvSpPr>
-          <p:cNvPr id="6" name="TextBox 5"/>
+          <p:cNvPr id="3" name="TextBox 2"/>
           <p:cNvSpPr txBox="1"/>
           <p:nvPr/>
         </p:nvSpPr>
         <p:spPr>
           <a:xfrm>
-            <a:off x="983432" y="1608941"/>
-            <a:ext cx="1008112" cy="1015663"/>
+            <a:off x="527381" y="2180862"/>
+            <a:ext cx="1248139" cy="1200329"/>
           </a:xfrm>
           <a:prstGeom prst="rect">
             <a:avLst/>
@@ -3483,22 +3971,38 @@
           <a:lstStyle/>
           <a:p>
             <a:r>
-              <a:rPr lang="en-US" sz="6000" b="1" dirty="0"/>
-              <a:t>2</a:t>
-            </a:r>
-            <a:r>
-              <a:rPr lang="en-US" sz="6000" b="1" dirty="0" smtClean="0"/>
-              <a:t>.</a:t>
-            </a:r>
-            <a:endParaRPr lang="vi-VN" sz="6000" b="1" dirty="0"/>
+              <a:rPr lang="en-US" sz="7200" b="1" dirty="0">
+                <a:solidFill>
+                  <a:srgbClr val="660033"/>
+                </a:solidFill>
+              </a:rPr>
+              <a:t>1.</a:t>
+            </a:r>
+            <a:endParaRPr lang="vi-VN" sz="7200" b="1" dirty="0">
+              <a:solidFill>
+                <a:srgbClr val="660033"/>
+              </a:solidFill>
+            </a:endParaRPr>
           </a:p>
         </p:txBody>
       </p:sp>
     </p:spTree>
+    <p:extLst>
+      <p:ext uri="{BB962C8B-B14F-4D97-AF65-F5344CB8AC3E}">
+        <p14:creationId xmlns:p14="http://schemas.microsoft.com/office/powerpoint/2010/main" val="130865771"/>
+      </p:ext>
+    </p:extLst>
   </p:cSld>
   <p:clrMapOvr>
     <a:masterClrMapping/>
   </p:clrMapOvr>
+  <p:timing>
+    <p:tnLst>
+      <p:par>
+        <p:cTn id="1" dur="indefinite" restart="never" nodeType="tmRoot"/>
+      </p:par>
+    </p:tnLst>
+  </p:timing>
 </p:sld>
 </file>
 
@@ -3521,106 +4025,81 @@
       </p:grpSpPr>
       <p:sp>
         <p:nvSpPr>
-          <p:cNvPr id="4" name="標題 3"/>
-          <p:cNvSpPr>
-            <a:spLocks noGrp="1"/>
-          </p:cNvSpPr>
-          <p:nvPr>
-            <p:ph type="title"/>
-          </p:nvPr>
-        </p:nvSpPr>
-        <p:spPr/>
-        <p:txBody>
-          <a:bodyPr>
+          <p:cNvPr id="5" name="內容版面配置區 4"/>
+          <p:cNvSpPr>
+            <a:spLocks noGrp="1"/>
+          </p:cNvSpPr>
+          <p:nvPr>
+            <p:ph idx="1"/>
+          </p:nvPr>
+        </p:nvSpPr>
+        <p:spPr>
+          <a:xfrm>
+            <a:off x="0" y="2084853"/>
+            <a:ext cx="12192000" cy="2404863"/>
+          </a:xfrm>
+        </p:spPr>
+        <p:txBody>
+          <a:bodyPr anchor="ctr">
             <a:normAutofit/>
           </a:bodyPr>
           <a:lstStyle/>
           <a:p>
-            <a:r>
-              <a:rPr lang="zh-CN" altLang="en-US" sz="4800" b="1" dirty="0">
+            <a:pPr algn="ctr">
+              <a:buNone/>
+            </a:pPr>
+            <a:r>
+              <a:rPr lang="zh-TW" altLang="en-US" sz="6400" b="1" dirty="0">
+                <a:solidFill>
+                  <a:srgbClr val="660033"/>
+                </a:solidFill>
                 <a:latin typeface="微軟正黑體" pitchFamily="34" charset="-120"/>
                 <a:ea typeface="微軟正黑體" pitchFamily="34" charset="-120"/>
               </a:rPr>
-              <a:t>像基督</a:t>
-            </a:r>
-            <a:endParaRPr lang="zh-TW" altLang="en-US" sz="4800" b="1" dirty="0">
+              <a:t>主我願像你  主我願像你</a:t>
+            </a:r>
+          </a:p>
+          <a:p>
+            <a:pPr algn="ctr">
+              <a:buNone/>
+            </a:pPr>
+            <a:r>
+              <a:rPr lang="zh-TW" altLang="en-US" sz="6400" b="1" dirty="0">
+                <a:solidFill>
+                  <a:srgbClr val="660033"/>
+                </a:solidFill>
+                <a:latin typeface="微軟正黑體" pitchFamily="34" charset="-120"/>
+                <a:ea typeface="微軟正黑體" pitchFamily="34" charset="-120"/>
+              </a:rPr>
+              <a:t>榮耀之救主  潔淨像你</a:t>
+            </a:r>
+            <a:endParaRPr lang="zh-TW" altLang="en-US" sz="6400" b="1" dirty="0">
+              <a:solidFill>
+                <a:srgbClr val="660033"/>
+              </a:solidFill>
               <a:latin typeface="微軟正黑體" pitchFamily="34" charset="-120"/>
               <a:ea typeface="微軟正黑體" pitchFamily="34" charset="-120"/>
             </a:endParaRPr>
           </a:p>
         </p:txBody>
       </p:sp>
-      <p:sp>
-        <p:nvSpPr>
-          <p:cNvPr id="5" name="內容版面配置區 4"/>
-          <p:cNvSpPr>
-            <a:spLocks noGrp="1"/>
-          </p:cNvSpPr>
-          <p:nvPr>
-            <p:ph idx="1"/>
-          </p:nvPr>
-        </p:nvSpPr>
-        <p:spPr/>
-        <p:txBody>
-          <a:bodyPr>
-            <a:normAutofit/>
-          </a:bodyPr>
-          <a:lstStyle/>
-          <a:p>
-            <a:pPr algn="ctr">
-              <a:buNone/>
-            </a:pPr>
-            <a:r>
-              <a:rPr lang="zh-TW" altLang="en-US" sz="5400" b="1" dirty="0">
-                <a:latin typeface="微軟正黑體" pitchFamily="34" charset="-120"/>
-                <a:ea typeface="微軟正黑體" pitchFamily="34" charset="-120"/>
-              </a:rPr>
-              <a:t>主我願像你 主我願像你</a:t>
-            </a:r>
-          </a:p>
-          <a:p>
-            <a:pPr algn="ctr">
-              <a:buNone/>
-            </a:pPr>
-            <a:r>
-              <a:rPr lang="zh-TW" altLang="en-US" sz="5400" b="1" dirty="0">
-                <a:latin typeface="微軟正黑體" pitchFamily="34" charset="-120"/>
-                <a:ea typeface="微軟正黑體" pitchFamily="34" charset="-120"/>
-              </a:rPr>
-              <a:t>榮耀之救主 潔淨像你</a:t>
-            </a:r>
-          </a:p>
-          <a:p>
-            <a:pPr algn="ctr">
-              <a:buNone/>
-            </a:pPr>
-            <a:r>
-              <a:rPr lang="zh-TW" altLang="en-US" sz="5400" b="1" dirty="0">
-                <a:latin typeface="微軟正黑體" pitchFamily="34" charset="-120"/>
-                <a:ea typeface="微軟正黑體" pitchFamily="34" charset="-120"/>
-              </a:rPr>
-              <a:t>願豐富恩典進入我心裡</a:t>
-            </a:r>
-          </a:p>
-          <a:p>
-            <a:pPr algn="ctr">
-              <a:buNone/>
-            </a:pPr>
-            <a:r>
-              <a:rPr lang="zh-TW" altLang="en-US" sz="5400" b="1" dirty="0">
-                <a:latin typeface="微軟正黑體" pitchFamily="34" charset="-120"/>
-                <a:ea typeface="微軟正黑體" pitchFamily="34" charset="-120"/>
-              </a:rPr>
-              <a:t>致主之榮形深印心裡</a:t>
-            </a:r>
-          </a:p>
-        </p:txBody>
-      </p:sp>
     </p:spTree>
+    <p:extLst>
+      <p:ext uri="{BB962C8B-B14F-4D97-AF65-F5344CB8AC3E}">
+        <p14:creationId xmlns:p14="http://schemas.microsoft.com/office/powerpoint/2010/main" val="4064875800"/>
+      </p:ext>
+    </p:extLst>
   </p:cSld>
   <p:clrMapOvr>
     <a:masterClrMapping/>
   </p:clrMapOvr>
+  <p:timing>
+    <p:tnLst>
+      <p:par>
+        <p:cTn id="1" dur="indefinite" restart="never" nodeType="tmRoot"/>
+      </p:par>
+    </p:tnLst>
+  </p:timing>
 </p:sld>
 </file>
 
@@ -3643,140 +4122,81 @@
       </p:grpSpPr>
       <p:sp>
         <p:nvSpPr>
-          <p:cNvPr id="4" name="標題 3"/>
-          <p:cNvSpPr>
-            <a:spLocks noGrp="1"/>
-          </p:cNvSpPr>
-          <p:nvPr>
-            <p:ph type="title"/>
-          </p:nvPr>
-        </p:nvSpPr>
-        <p:spPr/>
-        <p:txBody>
-          <a:bodyPr>
+          <p:cNvPr id="5" name="內容版面配置區 4"/>
+          <p:cNvSpPr>
+            <a:spLocks noGrp="1"/>
+          </p:cNvSpPr>
+          <p:nvPr>
+            <p:ph idx="1"/>
+          </p:nvPr>
+        </p:nvSpPr>
+        <p:spPr>
+          <a:xfrm>
+            <a:off x="0" y="2084853"/>
+            <a:ext cx="12192000" cy="2404863"/>
+          </a:xfrm>
+        </p:spPr>
+        <p:txBody>
+          <a:bodyPr anchor="ctr">
             <a:normAutofit/>
           </a:bodyPr>
           <a:lstStyle/>
           <a:p>
-            <a:r>
-              <a:rPr lang="zh-CN" altLang="en-US" sz="4800" b="1" dirty="0">
+            <a:pPr algn="ctr">
+              <a:buNone/>
+            </a:pPr>
+            <a:r>
+              <a:rPr lang="zh-TW" altLang="en-US" sz="6400" b="1" dirty="0">
+                <a:solidFill>
+                  <a:srgbClr val="660033"/>
+                </a:solidFill>
                 <a:latin typeface="微軟正黑體" pitchFamily="34" charset="-120"/>
                 <a:ea typeface="微軟正黑體" pitchFamily="34" charset="-120"/>
               </a:rPr>
-              <a:t>像基督</a:t>
-            </a:r>
-            <a:endParaRPr lang="zh-TW" altLang="en-US" sz="4800" b="1" dirty="0">
+              <a:t>願豐富恩典進入我心裡</a:t>
+            </a:r>
+          </a:p>
+          <a:p>
+            <a:pPr algn="ctr">
+              <a:buNone/>
+            </a:pPr>
+            <a:r>
+              <a:rPr lang="zh-TW" altLang="en-US" sz="6400" b="1" dirty="0">
+                <a:solidFill>
+                  <a:srgbClr val="660033"/>
+                </a:solidFill>
+                <a:latin typeface="微軟正黑體" pitchFamily="34" charset="-120"/>
+                <a:ea typeface="微軟正黑體" pitchFamily="34" charset="-120"/>
+              </a:rPr>
+              <a:t>致主之榮形深印心裡</a:t>
+            </a:r>
+            <a:endParaRPr lang="zh-TW" altLang="en-US" sz="6400" b="1" dirty="0">
+              <a:solidFill>
+                <a:srgbClr val="660033"/>
+              </a:solidFill>
               <a:latin typeface="微軟正黑體" pitchFamily="34" charset="-120"/>
               <a:ea typeface="微軟正黑體" pitchFamily="34" charset="-120"/>
             </a:endParaRPr>
           </a:p>
         </p:txBody>
       </p:sp>
-      <p:sp>
-        <p:nvSpPr>
-          <p:cNvPr id="5" name="內容版面配置區 4"/>
-          <p:cNvSpPr>
-            <a:spLocks noGrp="1"/>
-          </p:cNvSpPr>
-          <p:nvPr>
-            <p:ph idx="1"/>
-          </p:nvPr>
-        </p:nvSpPr>
-        <p:spPr/>
-        <p:txBody>
-          <a:bodyPr>
-            <a:normAutofit/>
-          </a:bodyPr>
-          <a:lstStyle/>
-          <a:p>
-            <a:pPr algn="ctr">
-              <a:buNone/>
-            </a:pPr>
-            <a:r>
-              <a:rPr lang="zh-TW" altLang="en-US" sz="5400" b="1" dirty="0">
-                <a:latin typeface="微軟正黑體" pitchFamily="34" charset="-120"/>
-                <a:ea typeface="微軟正黑體" pitchFamily="34" charset="-120"/>
-              </a:rPr>
-              <a:t>主我願像你滿有憐憫心</a:t>
-            </a:r>
-          </a:p>
-          <a:p>
-            <a:pPr algn="ctr">
-              <a:buNone/>
-            </a:pPr>
-            <a:r>
-              <a:rPr lang="zh-TW" altLang="en-US" sz="5400" b="1" dirty="0">
-                <a:latin typeface="微軟正黑體" pitchFamily="34" charset="-120"/>
-                <a:ea typeface="微軟正黑體" pitchFamily="34" charset="-120"/>
-              </a:rPr>
-              <a:t>溫柔和良善謙卑愛人</a:t>
-            </a:r>
-          </a:p>
-          <a:p>
-            <a:pPr algn="ctr">
-              <a:buNone/>
-            </a:pPr>
-            <a:r>
-              <a:rPr lang="zh-TW" altLang="en-US" sz="5400" b="1" dirty="0">
-                <a:latin typeface="微軟正黑體" pitchFamily="34" charset="-120"/>
-                <a:ea typeface="微軟正黑體" pitchFamily="34" charset="-120"/>
-              </a:rPr>
-              <a:t>求主賜能力拯救迷亡羊</a:t>
-            </a:r>
-          </a:p>
-          <a:p>
-            <a:pPr algn="ctr">
-              <a:buNone/>
-            </a:pPr>
-            <a:r>
-              <a:rPr lang="zh-TW" altLang="en-US" sz="5400" b="1" dirty="0">
-                <a:latin typeface="微軟正黑體" pitchFamily="34" charset="-120"/>
-                <a:ea typeface="微軟正黑體" pitchFamily="34" charset="-120"/>
-              </a:rPr>
-              <a:t>尋找失喪者同歸天庭</a:t>
-            </a:r>
-          </a:p>
-        </p:txBody>
-      </p:sp>
-      <p:sp>
-        <p:nvSpPr>
-          <p:cNvPr id="6" name="TextBox 5"/>
-          <p:cNvSpPr txBox="1"/>
-          <p:nvPr/>
-        </p:nvSpPr>
-        <p:spPr>
-          <a:xfrm>
-            <a:off x="983432" y="1608941"/>
-            <a:ext cx="1008112" cy="1015663"/>
-          </a:xfrm>
-          <a:prstGeom prst="rect">
-            <a:avLst/>
-          </a:prstGeom>
-          <a:noFill/>
-        </p:spPr>
-        <p:txBody>
-          <a:bodyPr wrap="square" rtlCol="0">
-            <a:spAutoFit/>
-          </a:bodyPr>
-          <a:lstStyle/>
-          <a:p>
-            <a:r>
-              <a:rPr lang="en-US" sz="6000" b="1" dirty="0"/>
-              <a:t>3</a:t>
-            </a:r>
-            <a:r>
-              <a:rPr lang="en-US" sz="6000" b="1" dirty="0" smtClean="0"/>
-              <a:t>.</a:t>
-            </a:r>
-            <a:endParaRPr lang="vi-VN" sz="6000" b="1" dirty="0"/>
-          </a:p>
-        </p:txBody>
-      </p:sp>
     </p:spTree>
+    <p:extLst>
+      <p:ext uri="{BB962C8B-B14F-4D97-AF65-F5344CB8AC3E}">
+        <p14:creationId xmlns:p14="http://schemas.microsoft.com/office/powerpoint/2010/main" val="2674910459"/>
+      </p:ext>
+    </p:extLst>
   </p:cSld>
   <p:clrMapOvr>
     <a:masterClrMapping/>
   </p:clrMapOvr>
+  <p:timing>
+    <p:tnLst>
+      <p:par>
+        <p:cTn id="1" dur="indefinite" restart="never" nodeType="tmRoot"/>
+      </p:par>
+    </p:tnLst>
+  </p:timing>
 </p:sld>
 </file>
 
@@ -3799,29 +4219,58 @@
       </p:grpSpPr>
       <p:sp>
         <p:nvSpPr>
-          <p:cNvPr id="4" name="標題 3"/>
-          <p:cNvSpPr>
-            <a:spLocks noGrp="1"/>
-          </p:cNvSpPr>
-          <p:nvPr>
-            <p:ph type="title"/>
-          </p:nvPr>
-        </p:nvSpPr>
-        <p:spPr/>
-        <p:txBody>
-          <a:bodyPr>
+          <p:cNvPr id="5" name="內容版面配置區 4"/>
+          <p:cNvSpPr>
+            <a:spLocks noGrp="1"/>
+          </p:cNvSpPr>
+          <p:nvPr>
+            <p:ph idx="1"/>
+          </p:nvPr>
+        </p:nvSpPr>
+        <p:spPr>
+          <a:xfrm>
+            <a:off x="0" y="2084853"/>
+            <a:ext cx="12192000" cy="2404863"/>
+          </a:xfrm>
+        </p:spPr>
+        <p:txBody>
+          <a:bodyPr anchor="ctr">
             <a:normAutofit/>
           </a:bodyPr>
           <a:lstStyle/>
           <a:p>
-            <a:r>
-              <a:rPr lang="zh-CN" altLang="en-US" sz="4800" b="1" dirty="0">
+            <a:pPr algn="ctr">
+              <a:buNone/>
+            </a:pPr>
+            <a:r>
+              <a:rPr lang="zh-TW" altLang="en-US" sz="6400" b="1" dirty="0">
+                <a:solidFill>
+                  <a:srgbClr val="660033"/>
+                </a:solidFill>
                 <a:latin typeface="微軟正黑體" pitchFamily="34" charset="-120"/>
                 <a:ea typeface="微軟正黑體" pitchFamily="34" charset="-120"/>
               </a:rPr>
-              <a:t>像基督</a:t>
-            </a:r>
-            <a:endParaRPr lang="zh-TW" altLang="en-US" sz="4800" b="1" dirty="0">
+              <a:t>榮耀之救主聽我之呼求</a:t>
+            </a:r>
+          </a:p>
+          <a:p>
+            <a:pPr algn="ctr">
+              <a:buNone/>
+            </a:pPr>
+            <a:r>
+              <a:rPr lang="zh-TW" altLang="en-US" sz="6400" b="1" dirty="0">
+                <a:solidFill>
+                  <a:srgbClr val="660033"/>
+                </a:solidFill>
+                <a:latin typeface="微軟正黑體" pitchFamily="34" charset="-120"/>
+                <a:ea typeface="微軟正黑體" pitchFamily="34" charset="-120"/>
+              </a:rPr>
+              <a:t>降下聖靈火焚去罪污</a:t>
+            </a:r>
+            <a:endParaRPr lang="zh-TW" altLang="en-US" sz="6400" b="1" dirty="0">
+              <a:solidFill>
+                <a:srgbClr val="660033"/>
+              </a:solidFill>
               <a:latin typeface="微軟正黑體" pitchFamily="34" charset="-120"/>
               <a:ea typeface="微軟正黑體" pitchFamily="34" charset="-120"/>
             </a:endParaRPr>
@@ -3830,6 +4279,89 @@
       </p:sp>
       <p:sp>
         <p:nvSpPr>
+          <p:cNvPr id="3" name="TextBox 2"/>
+          <p:cNvSpPr txBox="1"/>
+          <p:nvPr/>
+        </p:nvSpPr>
+        <p:spPr>
+          <a:xfrm>
+            <a:off x="527381" y="2180862"/>
+            <a:ext cx="1248139" cy="1200329"/>
+          </a:xfrm>
+          <a:prstGeom prst="rect">
+            <a:avLst/>
+          </a:prstGeom>
+          <a:noFill/>
+        </p:spPr>
+        <p:txBody>
+          <a:bodyPr wrap="square" rtlCol="0">
+            <a:spAutoFit/>
+          </a:bodyPr>
+          <a:lstStyle/>
+          <a:p>
+            <a:r>
+              <a:rPr lang="en-US" sz="7200" b="1" dirty="0">
+                <a:solidFill>
+                  <a:srgbClr val="660033"/>
+                </a:solidFill>
+              </a:rPr>
+              <a:t>2</a:t>
+            </a:r>
+            <a:r>
+              <a:rPr lang="en-US" sz="7200" b="1" dirty="0">
+                <a:solidFill>
+                  <a:srgbClr val="660033"/>
+                </a:solidFill>
+              </a:rPr>
+              <a:t>.</a:t>
+            </a:r>
+            <a:endParaRPr lang="vi-VN" sz="7200" b="1" dirty="0">
+              <a:solidFill>
+                <a:srgbClr val="660033"/>
+              </a:solidFill>
+            </a:endParaRPr>
+          </a:p>
+        </p:txBody>
+      </p:sp>
+    </p:spTree>
+    <p:extLst>
+      <p:ext uri="{BB962C8B-B14F-4D97-AF65-F5344CB8AC3E}">
+        <p14:creationId xmlns:p14="http://schemas.microsoft.com/office/powerpoint/2010/main" val="150367365"/>
+      </p:ext>
+    </p:extLst>
+  </p:cSld>
+  <p:clrMapOvr>
+    <a:masterClrMapping/>
+  </p:clrMapOvr>
+  <p:timing>
+    <p:tnLst>
+      <p:par>
+        <p:cTn id="1" dur="indefinite" restart="never" nodeType="tmRoot"/>
+      </p:par>
+    </p:tnLst>
+  </p:timing>
+</p:sld>
+</file>
+
+<file path=ppt/slides/slide7.xml><?xml version="1.0" encoding="utf-8"?>
+<p:sld xmlns:a="http://schemas.openxmlformats.org/drawingml/2006/main" xmlns:r="http://schemas.openxmlformats.org/officeDocument/2006/relationships" xmlns:p="http://schemas.openxmlformats.org/presentationml/2006/main">
+  <p:cSld>
+    <p:spTree>
+      <p:nvGrpSpPr>
+        <p:cNvPr id="1" name=""/>
+        <p:cNvGrpSpPr/>
+        <p:nvPr/>
+      </p:nvGrpSpPr>
+      <p:grpSpPr>
+        <a:xfrm>
+          <a:off x="0" y="0"/>
+          <a:ext cx="0" cy="0"/>
+          <a:chOff x="0" y="0"/>
+          <a:chExt cx="0" cy="0"/>
+        </a:xfrm>
+      </p:grpSpPr>
+      <p:sp>
+        <p:nvSpPr>
           <p:cNvPr id="5" name="內容版面配置區 4"/>
           <p:cNvSpPr>
             <a:spLocks noGrp="1"/>
@@ -3838,9 +4370,14 @@
             <p:ph idx="1"/>
           </p:nvPr>
         </p:nvSpPr>
-        <p:spPr/>
-        <p:txBody>
-          <a:bodyPr>
+        <p:spPr>
+          <a:xfrm>
+            <a:off x="0" y="2084853"/>
+            <a:ext cx="12192000" cy="2404863"/>
+          </a:xfrm>
+        </p:spPr>
+        <p:txBody>
+          <a:bodyPr anchor="ctr">
             <a:normAutofit/>
           </a:bodyPr>
           <a:lstStyle/>
@@ -3849,11 +4386,14 @@
               <a:buNone/>
             </a:pPr>
             <a:r>
-              <a:rPr lang="zh-TW" altLang="en-US" sz="5400" b="1" dirty="0">
+              <a:rPr lang="zh-TW" altLang="en-US" sz="6400" b="1" dirty="0">
+                <a:solidFill>
+                  <a:srgbClr val="660033"/>
+                </a:solidFill>
                 <a:latin typeface="微軟正黑體" pitchFamily="34" charset="-120"/>
                 <a:ea typeface="微軟正黑體" pitchFamily="34" charset="-120"/>
               </a:rPr>
-              <a:t>主我願像你 主我願像你</a:t>
+              <a:t>使心成聖殿合乎主居住</a:t>
             </a:r>
           </a:p>
           <a:p>
@@ -3861,19 +4401,235 @@
               <a:buNone/>
             </a:pPr>
             <a:r>
-              <a:rPr lang="zh-TW" altLang="en-US" sz="5400" b="1" dirty="0">
+              <a:rPr lang="zh-TW" altLang="en-US" sz="6400" b="1" dirty="0">
+                <a:solidFill>
+                  <a:srgbClr val="660033"/>
+                </a:solidFill>
                 <a:latin typeface="微軟正黑體" pitchFamily="34" charset="-120"/>
                 <a:ea typeface="微軟正黑體" pitchFamily="34" charset="-120"/>
               </a:rPr>
-              <a:t>榮耀之救主 潔淨像你</a:t>
-            </a:r>
-          </a:p>
+              <a:t>更使我生命榮耀我主</a:t>
+            </a:r>
+            <a:endParaRPr lang="zh-TW" altLang="en-US" sz="6400" b="1" dirty="0">
+              <a:solidFill>
+                <a:srgbClr val="660033"/>
+              </a:solidFill>
+              <a:latin typeface="微軟正黑體" pitchFamily="34" charset="-120"/>
+              <a:ea typeface="微軟正黑體" pitchFamily="34" charset="-120"/>
+            </a:endParaRPr>
+          </a:p>
+        </p:txBody>
+      </p:sp>
+      <p:sp>
+        <p:nvSpPr>
+          <p:cNvPr id="3" name="TextBox 2"/>
+          <p:cNvSpPr txBox="1"/>
+          <p:nvPr/>
+        </p:nvSpPr>
+        <p:spPr>
+          <a:xfrm>
+            <a:off x="527381" y="2180862"/>
+            <a:ext cx="1248139" cy="1200329"/>
+          </a:xfrm>
+          <a:prstGeom prst="rect">
+            <a:avLst/>
+          </a:prstGeom>
+          <a:noFill/>
+        </p:spPr>
+        <p:txBody>
+          <a:bodyPr wrap="square" rtlCol="0">
+            <a:spAutoFit/>
+          </a:bodyPr>
+          <a:lstStyle/>
+          <a:p>
+            <a:r>
+              <a:rPr lang="en-US" sz="7200" b="1" dirty="0">
+                <a:solidFill>
+                  <a:srgbClr val="660033"/>
+                </a:solidFill>
+              </a:rPr>
+              <a:t>2</a:t>
+            </a:r>
+            <a:r>
+              <a:rPr lang="en-US" sz="7200" b="1" dirty="0">
+                <a:solidFill>
+                  <a:srgbClr val="660033"/>
+                </a:solidFill>
+              </a:rPr>
+              <a:t>.</a:t>
+            </a:r>
+            <a:endParaRPr lang="vi-VN" sz="7200" b="1" dirty="0">
+              <a:solidFill>
+                <a:srgbClr val="660033"/>
+              </a:solidFill>
+            </a:endParaRPr>
+          </a:p>
+        </p:txBody>
+      </p:sp>
+    </p:spTree>
+    <p:extLst>
+      <p:ext uri="{BB962C8B-B14F-4D97-AF65-F5344CB8AC3E}">
+        <p14:creationId xmlns:p14="http://schemas.microsoft.com/office/powerpoint/2010/main" val="747872646"/>
+      </p:ext>
+    </p:extLst>
+  </p:cSld>
+  <p:clrMapOvr>
+    <a:masterClrMapping/>
+  </p:clrMapOvr>
+  <p:timing>
+    <p:tnLst>
+      <p:par>
+        <p:cTn id="1" dur="indefinite" restart="never" nodeType="tmRoot"/>
+      </p:par>
+    </p:tnLst>
+  </p:timing>
+</p:sld>
+</file>
+
+<file path=ppt/slides/slide8.xml><?xml version="1.0" encoding="utf-8"?>
+<p:sld xmlns:a="http://schemas.openxmlformats.org/drawingml/2006/main" xmlns:r="http://schemas.openxmlformats.org/officeDocument/2006/relationships" xmlns:p="http://schemas.openxmlformats.org/presentationml/2006/main">
+  <p:cSld>
+    <p:spTree>
+      <p:nvGrpSpPr>
+        <p:cNvPr id="1" name=""/>
+        <p:cNvGrpSpPr/>
+        <p:nvPr/>
+      </p:nvGrpSpPr>
+      <p:grpSpPr>
+        <a:xfrm>
+          <a:off x="0" y="0"/>
+          <a:ext cx="0" cy="0"/>
+          <a:chOff x="0" y="0"/>
+          <a:chExt cx="0" cy="0"/>
+        </a:xfrm>
+      </p:grpSpPr>
+      <p:sp>
+        <p:nvSpPr>
+          <p:cNvPr id="5" name="內容版面配置區 4"/>
+          <p:cNvSpPr>
+            <a:spLocks noGrp="1"/>
+          </p:cNvSpPr>
+          <p:nvPr>
+            <p:ph idx="1"/>
+          </p:nvPr>
+        </p:nvSpPr>
+        <p:spPr>
+          <a:xfrm>
+            <a:off x="0" y="2084853"/>
+            <a:ext cx="12192000" cy="2404863"/>
+          </a:xfrm>
+        </p:spPr>
+        <p:txBody>
+          <a:bodyPr anchor="ctr">
+            <a:normAutofit/>
+          </a:bodyPr>
+          <a:lstStyle/>
           <a:p>
             <a:pPr algn="ctr">
               <a:buNone/>
             </a:pPr>
             <a:r>
-              <a:rPr lang="zh-TW" altLang="en-US" sz="5400" b="1" dirty="0">
+              <a:rPr lang="zh-TW" altLang="en-US" sz="6400" b="1" dirty="0">
+                <a:solidFill>
+                  <a:srgbClr val="660033"/>
+                </a:solidFill>
+                <a:latin typeface="微軟正黑體" pitchFamily="34" charset="-120"/>
+                <a:ea typeface="微軟正黑體" pitchFamily="34" charset="-120"/>
+              </a:rPr>
+              <a:t>主我願像你  主我願像你</a:t>
+            </a:r>
+          </a:p>
+          <a:p>
+            <a:pPr algn="ctr">
+              <a:buNone/>
+            </a:pPr>
+            <a:r>
+              <a:rPr lang="zh-TW" altLang="en-US" sz="6400" b="1" dirty="0">
+                <a:solidFill>
+                  <a:srgbClr val="660033"/>
+                </a:solidFill>
+                <a:latin typeface="微軟正黑體" pitchFamily="34" charset="-120"/>
+                <a:ea typeface="微軟正黑體" pitchFamily="34" charset="-120"/>
+              </a:rPr>
+              <a:t>榮耀之救主  潔淨像你</a:t>
+            </a:r>
+            <a:endParaRPr lang="zh-TW" altLang="en-US" sz="6400" b="1" dirty="0">
+              <a:solidFill>
+                <a:srgbClr val="660033"/>
+              </a:solidFill>
+              <a:latin typeface="微軟正黑體" pitchFamily="34" charset="-120"/>
+              <a:ea typeface="微軟正黑體" pitchFamily="34" charset="-120"/>
+            </a:endParaRPr>
+          </a:p>
+        </p:txBody>
+      </p:sp>
+    </p:spTree>
+    <p:extLst>
+      <p:ext uri="{BB962C8B-B14F-4D97-AF65-F5344CB8AC3E}">
+        <p14:creationId xmlns:p14="http://schemas.microsoft.com/office/powerpoint/2010/main" val="511888047"/>
+      </p:ext>
+    </p:extLst>
+  </p:cSld>
+  <p:clrMapOvr>
+    <a:masterClrMapping/>
+  </p:clrMapOvr>
+  <p:timing>
+    <p:tnLst>
+      <p:par>
+        <p:cTn id="1" dur="indefinite" restart="never" nodeType="tmRoot"/>
+      </p:par>
+    </p:tnLst>
+  </p:timing>
+</p:sld>
+</file>
+
+<file path=ppt/slides/slide9.xml><?xml version="1.0" encoding="utf-8"?>
+<p:sld xmlns:a="http://schemas.openxmlformats.org/drawingml/2006/main" xmlns:r="http://schemas.openxmlformats.org/officeDocument/2006/relationships" xmlns:p="http://schemas.openxmlformats.org/presentationml/2006/main">
+  <p:cSld>
+    <p:spTree>
+      <p:nvGrpSpPr>
+        <p:cNvPr id="1" name=""/>
+        <p:cNvGrpSpPr/>
+        <p:nvPr/>
+      </p:nvGrpSpPr>
+      <p:grpSpPr>
+        <a:xfrm>
+          <a:off x="0" y="0"/>
+          <a:ext cx="0" cy="0"/>
+          <a:chOff x="0" y="0"/>
+          <a:chExt cx="0" cy="0"/>
+        </a:xfrm>
+      </p:grpSpPr>
+      <p:sp>
+        <p:nvSpPr>
+          <p:cNvPr id="5" name="內容版面配置區 4"/>
+          <p:cNvSpPr>
+            <a:spLocks noGrp="1"/>
+          </p:cNvSpPr>
+          <p:nvPr>
+            <p:ph idx="1"/>
+          </p:nvPr>
+        </p:nvSpPr>
+        <p:spPr>
+          <a:xfrm>
+            <a:off x="0" y="2084853"/>
+            <a:ext cx="12192000" cy="2404863"/>
+          </a:xfrm>
+        </p:spPr>
+        <p:txBody>
+          <a:bodyPr anchor="ctr">
+            <a:normAutofit/>
+          </a:bodyPr>
+          <a:lstStyle/>
+          <a:p>
+            <a:pPr algn="ctr">
+              <a:buNone/>
+            </a:pPr>
+            <a:r>
+              <a:rPr lang="zh-TW" altLang="en-US" sz="6400" b="1" dirty="0">
+                <a:solidFill>
+                  <a:srgbClr val="660033"/>
+                </a:solidFill>
                 <a:latin typeface="微軟正黑體" pitchFamily="34" charset="-120"/>
                 <a:ea typeface="微軟正黑體" pitchFamily="34" charset="-120"/>
               </a:rPr>
@@ -3885,20 +4641,42 @@
               <a:buNone/>
             </a:pPr>
             <a:r>
-              <a:rPr lang="zh-TW" altLang="en-US" sz="5400" b="1" dirty="0">
+              <a:rPr lang="zh-TW" altLang="en-US" sz="6400" b="1" dirty="0">
+                <a:solidFill>
+                  <a:srgbClr val="660033"/>
+                </a:solidFill>
                 <a:latin typeface="微軟正黑體" pitchFamily="34" charset="-120"/>
                 <a:ea typeface="微軟正黑體" pitchFamily="34" charset="-120"/>
               </a:rPr>
               <a:t>致主之榮形深印心裡</a:t>
             </a:r>
+            <a:endParaRPr lang="zh-TW" altLang="en-US" sz="6400" b="1" dirty="0">
+              <a:solidFill>
+                <a:srgbClr val="660033"/>
+              </a:solidFill>
+              <a:latin typeface="微軟正黑體" pitchFamily="34" charset="-120"/>
+              <a:ea typeface="微軟正黑體" pitchFamily="34" charset="-120"/>
+            </a:endParaRPr>
           </a:p>
         </p:txBody>
       </p:sp>
     </p:spTree>
+    <p:extLst>
+      <p:ext uri="{BB962C8B-B14F-4D97-AF65-F5344CB8AC3E}">
+        <p14:creationId xmlns:p14="http://schemas.microsoft.com/office/powerpoint/2010/main" val="3248356990"/>
+      </p:ext>
+    </p:extLst>
   </p:cSld>
   <p:clrMapOvr>
     <a:masterClrMapping/>
   </p:clrMapOvr>
+  <p:timing>
+    <p:tnLst>
+      <p:par>
+        <p:cTn id="1" dur="indefinite" restart="never" nodeType="tmRoot"/>
+      </p:par>
+    </p:tnLst>
+  </p:timing>
 </p:sld>
 </file>
 

--- a/宣道詩/(宣道詩130)像基督.pptx
+++ b/宣道詩/(宣道詩130)像基督.pptx
@@ -317,7 +317,7 @@
             <a:fld id="{D33DC525-72F4-4C64-B99D-0B22188FF31E}" type="datetimeFigureOut">
               <a:rPr lang="zh-TW" altLang="en-US" smtClean="0"/>
               <a:pPr/>
-              <a:t>2020/11/13</a:t>
+              <a:t>2021/7/6</a:t>
             </a:fld>
             <a:endParaRPr lang="zh-TW" altLang="en-US"/>
           </a:p>
@@ -484,7 +484,7 @@
             <a:fld id="{D33DC525-72F4-4C64-B99D-0B22188FF31E}" type="datetimeFigureOut">
               <a:rPr lang="zh-TW" altLang="en-US" smtClean="0"/>
               <a:pPr/>
-              <a:t>2020/11/13</a:t>
+              <a:t>2021/7/6</a:t>
             </a:fld>
             <a:endParaRPr lang="zh-TW" altLang="en-US"/>
           </a:p>
@@ -661,7 +661,7 @@
             <a:fld id="{D33DC525-72F4-4C64-B99D-0B22188FF31E}" type="datetimeFigureOut">
               <a:rPr lang="zh-TW" altLang="en-US" smtClean="0"/>
               <a:pPr/>
-              <a:t>2020/11/13</a:t>
+              <a:t>2021/7/6</a:t>
             </a:fld>
             <a:endParaRPr lang="zh-TW" altLang="en-US"/>
           </a:p>
@@ -828,7 +828,7 @@
             <a:fld id="{D33DC525-72F4-4C64-B99D-0B22188FF31E}" type="datetimeFigureOut">
               <a:rPr lang="zh-TW" altLang="en-US" smtClean="0"/>
               <a:pPr/>
-              <a:t>2020/11/13</a:t>
+              <a:t>2021/7/6</a:t>
             </a:fld>
             <a:endParaRPr lang="zh-TW" altLang="en-US"/>
           </a:p>
@@ -1071,7 +1071,7 @@
             <a:fld id="{D33DC525-72F4-4C64-B99D-0B22188FF31E}" type="datetimeFigureOut">
               <a:rPr lang="zh-TW" altLang="en-US" smtClean="0"/>
               <a:pPr/>
-              <a:t>2020/11/13</a:t>
+              <a:t>2021/7/6</a:t>
             </a:fld>
             <a:endParaRPr lang="zh-TW" altLang="en-US"/>
           </a:p>
@@ -1356,7 +1356,7 @@
             <a:fld id="{D33DC525-72F4-4C64-B99D-0B22188FF31E}" type="datetimeFigureOut">
               <a:rPr lang="zh-TW" altLang="en-US" smtClean="0"/>
               <a:pPr/>
-              <a:t>2020/11/13</a:t>
+              <a:t>2021/7/6</a:t>
             </a:fld>
             <a:endParaRPr lang="zh-TW" altLang="en-US"/>
           </a:p>
@@ -1775,7 +1775,7 @@
             <a:fld id="{D33DC525-72F4-4C64-B99D-0B22188FF31E}" type="datetimeFigureOut">
               <a:rPr lang="zh-TW" altLang="en-US" smtClean="0"/>
               <a:pPr/>
-              <a:t>2020/11/13</a:t>
+              <a:t>2021/7/6</a:t>
             </a:fld>
             <a:endParaRPr lang="zh-TW" altLang="en-US"/>
           </a:p>
@@ -1890,7 +1890,7 @@
             <a:fld id="{D33DC525-72F4-4C64-B99D-0B22188FF31E}" type="datetimeFigureOut">
               <a:rPr lang="zh-TW" altLang="en-US" smtClean="0"/>
               <a:pPr/>
-              <a:t>2020/11/13</a:t>
+              <a:t>2021/7/6</a:t>
             </a:fld>
             <a:endParaRPr lang="zh-TW" altLang="en-US"/>
           </a:p>
@@ -1982,7 +1982,7 @@
             <a:fld id="{D33DC525-72F4-4C64-B99D-0B22188FF31E}" type="datetimeFigureOut">
               <a:rPr lang="zh-TW" altLang="en-US" smtClean="0"/>
               <a:pPr/>
-              <a:t>2020/11/13</a:t>
+              <a:t>2021/7/6</a:t>
             </a:fld>
             <a:endParaRPr lang="zh-TW" altLang="en-US"/>
           </a:p>
@@ -2256,7 +2256,7 @@
             <a:fld id="{D33DC525-72F4-4C64-B99D-0B22188FF31E}" type="datetimeFigureOut">
               <a:rPr lang="zh-TW" altLang="en-US" smtClean="0"/>
               <a:pPr/>
-              <a:t>2020/11/13</a:t>
+              <a:t>2021/7/6</a:t>
             </a:fld>
             <a:endParaRPr lang="zh-TW" altLang="en-US"/>
           </a:p>
@@ -2510,7 +2510,7 @@
             <a:fld id="{D33DC525-72F4-4C64-B99D-0B22188FF31E}" type="datetimeFigureOut">
               <a:rPr lang="zh-TW" altLang="en-US" smtClean="0"/>
               <a:pPr/>
-              <a:t>2020/11/13</a:t>
+              <a:t>2021/7/6</a:t>
             </a:fld>
             <a:endParaRPr lang="zh-TW" altLang="en-US"/>
           </a:p>
@@ -2725,7 +2725,7 @@
             <a:fld id="{D33DC525-72F4-4C64-B99D-0B22188FF31E}" type="datetimeFigureOut">
               <a:rPr lang="zh-TW" altLang="en-US" smtClean="0"/>
               <a:pPr/>
-              <a:t>2020/11/13</a:t>
+              <a:t>2021/7/6</a:t>
             </a:fld>
             <a:endParaRPr lang="zh-TW" altLang="en-US"/>
           </a:p>
@@ -3200,24 +3200,7 @@
                 <a:latin typeface="微軟正黑體" pitchFamily="34" charset="-120"/>
                 <a:ea typeface="微軟正黑體" pitchFamily="34" charset="-120"/>
               </a:rPr>
-              <a:t>像</a:t>
-            </a:r>
-            <a:r>
-              <a:rPr lang="zh-CN" altLang="en-US" sz="8000" b="1" dirty="0">
-                <a:solidFill>
-                  <a:srgbClr val="660033"/>
-                </a:solidFill>
-                <a:effectLst>
-                  <a:outerShdw blurRad="38100" dist="38100" dir="2700000" algn="tl">
-                    <a:srgbClr val="000000">
-                      <a:alpha val="43137"/>
-                    </a:srgbClr>
-                  </a:outerShdw>
-                </a:effectLst>
-                <a:latin typeface="微軟正黑體" pitchFamily="34" charset="-120"/>
-                <a:ea typeface="微軟正黑體" pitchFamily="34" charset="-120"/>
-              </a:rPr>
-              <a:t>基督</a:t>
+              <a:t>像基督</a:t>
             </a:r>
             <a:endParaRPr lang="zh-TW" altLang="en-US" sz="8000" b="1" dirty="0">
               <a:solidFill>
@@ -3323,26 +3306,19 @@
               </a:rPr>
               <a:t>溫柔和良善謙卑愛人</a:t>
             </a:r>
-            <a:endParaRPr lang="zh-TW" altLang="en-US" sz="6400" b="1" dirty="0">
-              <a:solidFill>
-                <a:srgbClr val="660033"/>
-              </a:solidFill>
-              <a:latin typeface="微軟正黑體" pitchFamily="34" charset="-120"/>
-              <a:ea typeface="微軟正黑體" pitchFamily="34" charset="-120"/>
-            </a:endParaRPr>
-          </a:p>
-        </p:txBody>
-      </p:sp>
-      <p:sp>
-        <p:nvSpPr>
-          <p:cNvPr id="3" name="TextBox 2"/>
+          </a:p>
+        </p:txBody>
+      </p:sp>
+      <p:sp>
+        <p:nvSpPr>
+          <p:cNvPr id="4" name="TextBox 3"/>
           <p:cNvSpPr txBox="1"/>
           <p:nvPr/>
         </p:nvSpPr>
         <p:spPr>
           <a:xfrm>
-            <a:off x="527381" y="2180862"/>
-            <a:ext cx="1248139" cy="1200329"/>
+            <a:off x="0" y="5157192"/>
+            <a:ext cx="12192000" cy="830997"/>
           </a:xfrm>
           <a:prstGeom prst="rect">
             <a:avLst/>
@@ -3350,31 +3326,44 @@
           <a:noFill/>
         </p:spPr>
         <p:txBody>
-          <a:bodyPr wrap="square" rtlCol="0">
+          <a:bodyPr wrap="square" rtlCol="0" anchor="ctr">
             <a:spAutoFit/>
           </a:bodyPr>
           <a:lstStyle/>
           <a:p>
-            <a:r>
-              <a:rPr lang="en-US" sz="7200" b="1" dirty="0">
+            <a:pPr algn="ctr"/>
+            <a:r>
+              <a:rPr lang="en-US" sz="4800" b="1" dirty="0">
                 <a:solidFill>
                   <a:srgbClr val="660033"/>
                 </a:solidFill>
+                <a:effectLst/>
               </a:rPr>
-              <a:t>3</a:t>
-            </a:r>
-            <a:r>
-              <a:rPr lang="en-US" sz="7200" b="1" dirty="0">
+              <a:t>( </a:t>
+            </a:r>
+            <a:r>
+              <a:rPr lang="en-US" sz="4800" b="1" dirty="0" smtClean="0">
                 <a:solidFill>
                   <a:srgbClr val="660033"/>
                 </a:solidFill>
+                <a:effectLst/>
               </a:rPr>
-              <a:t>.</a:t>
-            </a:r>
-            <a:endParaRPr lang="vi-VN" sz="7200" b="1" dirty="0">
+              <a:t>3 </a:t>
+            </a:r>
+            <a:r>
+              <a:rPr lang="en-US" sz="4800" b="1" dirty="0">
+                <a:solidFill>
+                  <a:srgbClr val="660033"/>
+                </a:solidFill>
+                <a:effectLst/>
+              </a:rPr>
+              <a:t>)</a:t>
+            </a:r>
+            <a:endParaRPr lang="vi-VN" sz="4800" b="1" dirty="0">
               <a:solidFill>
                 <a:srgbClr val="660033"/>
               </a:solidFill>
+              <a:effectLst/>
             </a:endParaRPr>
           </a:p>
         </p:txBody>
@@ -3466,26 +3455,19 @@
               </a:rPr>
               <a:t>尋找失喪者同歸天庭</a:t>
             </a:r>
-            <a:endParaRPr lang="zh-TW" altLang="en-US" sz="6400" b="1" dirty="0">
-              <a:solidFill>
-                <a:srgbClr val="660033"/>
-              </a:solidFill>
-              <a:latin typeface="微軟正黑體" pitchFamily="34" charset="-120"/>
-              <a:ea typeface="微軟正黑體" pitchFamily="34" charset="-120"/>
-            </a:endParaRPr>
-          </a:p>
-        </p:txBody>
-      </p:sp>
-      <p:sp>
-        <p:nvSpPr>
-          <p:cNvPr id="3" name="TextBox 2"/>
+          </a:p>
+        </p:txBody>
+      </p:sp>
+      <p:sp>
+        <p:nvSpPr>
+          <p:cNvPr id="4" name="TextBox 3"/>
           <p:cNvSpPr txBox="1"/>
           <p:nvPr/>
         </p:nvSpPr>
         <p:spPr>
           <a:xfrm>
-            <a:off x="527381" y="2180862"/>
-            <a:ext cx="1248139" cy="1200329"/>
+            <a:off x="0" y="5157192"/>
+            <a:ext cx="12192000" cy="830997"/>
           </a:xfrm>
           <a:prstGeom prst="rect">
             <a:avLst/>
@@ -3493,31 +3475,44 @@
           <a:noFill/>
         </p:spPr>
         <p:txBody>
-          <a:bodyPr wrap="square" rtlCol="0">
+          <a:bodyPr wrap="square" rtlCol="0" anchor="ctr">
             <a:spAutoFit/>
           </a:bodyPr>
           <a:lstStyle/>
           <a:p>
-            <a:r>
-              <a:rPr lang="en-US" sz="7200" b="1" dirty="0">
+            <a:pPr algn="ctr"/>
+            <a:r>
+              <a:rPr lang="en-US" sz="4800" b="1" dirty="0">
                 <a:solidFill>
                   <a:srgbClr val="660033"/>
                 </a:solidFill>
+                <a:effectLst/>
               </a:rPr>
-              <a:t>3</a:t>
-            </a:r>
-            <a:r>
-              <a:rPr lang="en-US" sz="7200" b="1" dirty="0">
+              <a:t>( </a:t>
+            </a:r>
+            <a:r>
+              <a:rPr lang="en-US" sz="4800" b="1" dirty="0" smtClean="0">
                 <a:solidFill>
                   <a:srgbClr val="660033"/>
                 </a:solidFill>
+                <a:effectLst/>
               </a:rPr>
-              <a:t>.</a:t>
-            </a:r>
-            <a:endParaRPr lang="vi-VN" sz="7200" b="1" dirty="0">
+              <a:t>3 </a:t>
+            </a:r>
+            <a:r>
+              <a:rPr lang="en-US" sz="4800" b="1" dirty="0">
+                <a:solidFill>
+                  <a:srgbClr val="660033"/>
+                </a:solidFill>
+                <a:effectLst/>
+              </a:rPr>
+              <a:t>)</a:t>
+            </a:r>
+            <a:endParaRPr lang="vi-VN" sz="4800" b="1" dirty="0">
               <a:solidFill>
                 <a:srgbClr val="660033"/>
               </a:solidFill>
+              <a:effectLst/>
             </a:endParaRPr>
           </a:p>
         </p:txBody>
@@ -3609,13 +3604,6 @@
               </a:rPr>
               <a:t>榮耀之救主  潔淨像你</a:t>
             </a:r>
-            <a:endParaRPr lang="zh-TW" altLang="en-US" sz="6400" b="1" dirty="0">
-              <a:solidFill>
-                <a:srgbClr val="660033"/>
-              </a:solidFill>
-              <a:latin typeface="微軟正黑體" pitchFamily="34" charset="-120"/>
-              <a:ea typeface="微軟正黑體" pitchFamily="34" charset="-120"/>
-            </a:endParaRPr>
           </a:p>
         </p:txBody>
       </p:sp>
@@ -3706,13 +3694,6 @@
               </a:rPr>
               <a:t>致主之榮形深印心裡</a:t>
             </a:r>
-            <a:endParaRPr lang="zh-TW" altLang="en-US" sz="6400" b="1" dirty="0">
-              <a:solidFill>
-                <a:srgbClr val="660033"/>
-              </a:solidFill>
-              <a:latin typeface="微軟正黑體" pitchFamily="34" charset="-120"/>
-              <a:ea typeface="微軟正黑體" pitchFamily="34" charset="-120"/>
-            </a:endParaRPr>
           </a:p>
         </p:txBody>
       </p:sp>
@@ -3803,26 +3784,19 @@
               </a:rPr>
               <a:t>此是我盼望乃我禱告</a:t>
             </a:r>
-            <a:endParaRPr lang="zh-TW" altLang="en-US" sz="6400" b="1" dirty="0">
-              <a:solidFill>
-                <a:srgbClr val="660033"/>
-              </a:solidFill>
-              <a:latin typeface="微軟正黑體" pitchFamily="34" charset="-120"/>
-              <a:ea typeface="微軟正黑體" pitchFamily="34" charset="-120"/>
-            </a:endParaRPr>
-          </a:p>
-        </p:txBody>
-      </p:sp>
-      <p:sp>
-        <p:nvSpPr>
-          <p:cNvPr id="3" name="TextBox 2"/>
+          </a:p>
+        </p:txBody>
+      </p:sp>
+      <p:sp>
+        <p:nvSpPr>
+          <p:cNvPr id="4" name="TextBox 3"/>
           <p:cNvSpPr txBox="1"/>
           <p:nvPr/>
         </p:nvSpPr>
         <p:spPr>
           <a:xfrm>
-            <a:off x="527381" y="2180862"/>
-            <a:ext cx="1248139" cy="1200329"/>
+            <a:off x="0" y="5157192"/>
+            <a:ext cx="12192000" cy="830997"/>
           </a:xfrm>
           <a:prstGeom prst="rect">
             <a:avLst/>
@@ -3830,23 +3804,26 @@
           <a:noFill/>
         </p:spPr>
         <p:txBody>
-          <a:bodyPr wrap="square" rtlCol="0">
+          <a:bodyPr wrap="square" rtlCol="0" anchor="ctr">
             <a:spAutoFit/>
           </a:bodyPr>
           <a:lstStyle/>
           <a:p>
-            <a:r>
-              <a:rPr lang="en-US" sz="7200" b="1" dirty="0">
+            <a:pPr algn="ctr"/>
+            <a:r>
+              <a:rPr lang="en-US" sz="4800" b="1" dirty="0">
                 <a:solidFill>
                   <a:srgbClr val="660033"/>
                 </a:solidFill>
+                <a:effectLst/>
               </a:rPr>
-              <a:t>1.</a:t>
-            </a:r>
-            <a:endParaRPr lang="vi-VN" sz="7200" b="1" dirty="0">
+              <a:t>( 1 )</a:t>
+            </a:r>
+            <a:endParaRPr lang="vi-VN" sz="4800" b="1" dirty="0">
               <a:solidFill>
                 <a:srgbClr val="660033"/>
               </a:solidFill>
+              <a:effectLst/>
             </a:endParaRPr>
           </a:p>
         </p:txBody>
@@ -3938,26 +3915,19 @@
               </a:rPr>
               <a:t>披戴主基督守主聖道</a:t>
             </a:r>
-            <a:endParaRPr lang="zh-TW" altLang="en-US" sz="6400" b="1" dirty="0">
-              <a:solidFill>
-                <a:srgbClr val="660033"/>
-              </a:solidFill>
-              <a:latin typeface="微軟正黑體" pitchFamily="34" charset="-120"/>
-              <a:ea typeface="微軟正黑體" pitchFamily="34" charset="-120"/>
-            </a:endParaRPr>
-          </a:p>
-        </p:txBody>
-      </p:sp>
-      <p:sp>
-        <p:nvSpPr>
-          <p:cNvPr id="3" name="TextBox 2"/>
+          </a:p>
+        </p:txBody>
+      </p:sp>
+      <p:sp>
+        <p:nvSpPr>
+          <p:cNvPr id="4" name="TextBox 3"/>
           <p:cNvSpPr txBox="1"/>
           <p:nvPr/>
         </p:nvSpPr>
         <p:spPr>
           <a:xfrm>
-            <a:off x="527381" y="2180862"/>
-            <a:ext cx="1248139" cy="1200329"/>
+            <a:off x="0" y="5157192"/>
+            <a:ext cx="12192000" cy="830997"/>
           </a:xfrm>
           <a:prstGeom prst="rect">
             <a:avLst/>
@@ -3965,23 +3935,26 @@
           <a:noFill/>
         </p:spPr>
         <p:txBody>
-          <a:bodyPr wrap="square" rtlCol="0">
+          <a:bodyPr wrap="square" rtlCol="0" anchor="ctr">
             <a:spAutoFit/>
           </a:bodyPr>
           <a:lstStyle/>
           <a:p>
-            <a:r>
-              <a:rPr lang="en-US" sz="7200" b="1" dirty="0">
+            <a:pPr algn="ctr"/>
+            <a:r>
+              <a:rPr lang="en-US" sz="4800" b="1" dirty="0">
                 <a:solidFill>
                   <a:srgbClr val="660033"/>
                 </a:solidFill>
+                <a:effectLst/>
               </a:rPr>
-              <a:t>1.</a:t>
-            </a:r>
-            <a:endParaRPr lang="vi-VN" sz="7200" b="1" dirty="0">
+              <a:t>( 1 )</a:t>
+            </a:r>
+            <a:endParaRPr lang="vi-VN" sz="4800" b="1" dirty="0">
               <a:solidFill>
                 <a:srgbClr val="660033"/>
               </a:solidFill>
+              <a:effectLst/>
             </a:endParaRPr>
           </a:p>
         </p:txBody>
@@ -4073,13 +4046,6 @@
               </a:rPr>
               <a:t>榮耀之救主  潔淨像你</a:t>
             </a:r>
-            <a:endParaRPr lang="zh-TW" altLang="en-US" sz="6400" b="1" dirty="0">
-              <a:solidFill>
-                <a:srgbClr val="660033"/>
-              </a:solidFill>
-              <a:latin typeface="微軟正黑體" pitchFamily="34" charset="-120"/>
-              <a:ea typeface="微軟正黑體" pitchFamily="34" charset="-120"/>
-            </a:endParaRPr>
           </a:p>
         </p:txBody>
       </p:sp>
@@ -4170,13 +4136,6 @@
               </a:rPr>
               <a:t>致主之榮形深印心裡</a:t>
             </a:r>
-            <a:endParaRPr lang="zh-TW" altLang="en-US" sz="6400" b="1" dirty="0">
-              <a:solidFill>
-                <a:srgbClr val="660033"/>
-              </a:solidFill>
-              <a:latin typeface="微軟正黑體" pitchFamily="34" charset="-120"/>
-              <a:ea typeface="微軟正黑體" pitchFamily="34" charset="-120"/>
-            </a:endParaRPr>
           </a:p>
         </p:txBody>
       </p:sp>
@@ -4267,26 +4226,19 @@
               </a:rPr>
               <a:t>降下聖靈火焚去罪污</a:t>
             </a:r>
-            <a:endParaRPr lang="zh-TW" altLang="en-US" sz="6400" b="1" dirty="0">
-              <a:solidFill>
-                <a:srgbClr val="660033"/>
-              </a:solidFill>
-              <a:latin typeface="微軟正黑體" pitchFamily="34" charset="-120"/>
-              <a:ea typeface="微軟正黑體" pitchFamily="34" charset="-120"/>
-            </a:endParaRPr>
-          </a:p>
-        </p:txBody>
-      </p:sp>
-      <p:sp>
-        <p:nvSpPr>
-          <p:cNvPr id="3" name="TextBox 2"/>
+          </a:p>
+        </p:txBody>
+      </p:sp>
+      <p:sp>
+        <p:nvSpPr>
+          <p:cNvPr id="4" name="TextBox 3"/>
           <p:cNvSpPr txBox="1"/>
           <p:nvPr/>
         </p:nvSpPr>
         <p:spPr>
           <a:xfrm>
-            <a:off x="527381" y="2180862"/>
-            <a:ext cx="1248139" cy="1200329"/>
+            <a:off x="0" y="5157192"/>
+            <a:ext cx="12192000" cy="830997"/>
           </a:xfrm>
           <a:prstGeom prst="rect">
             <a:avLst/>
@@ -4294,31 +4246,44 @@
           <a:noFill/>
         </p:spPr>
         <p:txBody>
-          <a:bodyPr wrap="square" rtlCol="0">
+          <a:bodyPr wrap="square" rtlCol="0" anchor="ctr">
             <a:spAutoFit/>
           </a:bodyPr>
           <a:lstStyle/>
           <a:p>
-            <a:r>
-              <a:rPr lang="en-US" sz="7200" b="1" dirty="0">
+            <a:pPr algn="ctr"/>
+            <a:r>
+              <a:rPr lang="en-US" sz="4800" b="1" dirty="0">
                 <a:solidFill>
                   <a:srgbClr val="660033"/>
                 </a:solidFill>
+                <a:effectLst/>
               </a:rPr>
-              <a:t>2</a:t>
-            </a:r>
-            <a:r>
-              <a:rPr lang="en-US" sz="7200" b="1" dirty="0">
+              <a:t>( </a:t>
+            </a:r>
+            <a:r>
+              <a:rPr lang="en-US" sz="4800" b="1" dirty="0" smtClean="0">
                 <a:solidFill>
                   <a:srgbClr val="660033"/>
                 </a:solidFill>
+                <a:effectLst/>
               </a:rPr>
-              <a:t>.</a:t>
-            </a:r>
-            <a:endParaRPr lang="vi-VN" sz="7200" b="1" dirty="0">
+              <a:t>2 </a:t>
+            </a:r>
+            <a:r>
+              <a:rPr lang="en-US" sz="4800" b="1" dirty="0">
+                <a:solidFill>
+                  <a:srgbClr val="660033"/>
+                </a:solidFill>
+                <a:effectLst/>
+              </a:rPr>
+              <a:t>)</a:t>
+            </a:r>
+            <a:endParaRPr lang="vi-VN" sz="4800" b="1" dirty="0">
               <a:solidFill>
                 <a:srgbClr val="660033"/>
               </a:solidFill>
+              <a:effectLst/>
             </a:endParaRPr>
           </a:p>
         </p:txBody>
@@ -4410,26 +4375,19 @@
               </a:rPr>
               <a:t>更使我生命榮耀我主</a:t>
             </a:r>
-            <a:endParaRPr lang="zh-TW" altLang="en-US" sz="6400" b="1" dirty="0">
-              <a:solidFill>
-                <a:srgbClr val="660033"/>
-              </a:solidFill>
-              <a:latin typeface="微軟正黑體" pitchFamily="34" charset="-120"/>
-              <a:ea typeface="微軟正黑體" pitchFamily="34" charset="-120"/>
-            </a:endParaRPr>
-          </a:p>
-        </p:txBody>
-      </p:sp>
-      <p:sp>
-        <p:nvSpPr>
-          <p:cNvPr id="3" name="TextBox 2"/>
+          </a:p>
+        </p:txBody>
+      </p:sp>
+      <p:sp>
+        <p:nvSpPr>
+          <p:cNvPr id="4" name="TextBox 3"/>
           <p:cNvSpPr txBox="1"/>
           <p:nvPr/>
         </p:nvSpPr>
         <p:spPr>
           <a:xfrm>
-            <a:off x="527381" y="2180862"/>
-            <a:ext cx="1248139" cy="1200329"/>
+            <a:off x="0" y="5157192"/>
+            <a:ext cx="12192000" cy="830997"/>
           </a:xfrm>
           <a:prstGeom prst="rect">
             <a:avLst/>
@@ -4437,31 +4395,44 @@
           <a:noFill/>
         </p:spPr>
         <p:txBody>
-          <a:bodyPr wrap="square" rtlCol="0">
+          <a:bodyPr wrap="square" rtlCol="0" anchor="ctr">
             <a:spAutoFit/>
           </a:bodyPr>
           <a:lstStyle/>
           <a:p>
-            <a:r>
-              <a:rPr lang="en-US" sz="7200" b="1" dirty="0">
+            <a:pPr algn="ctr"/>
+            <a:r>
+              <a:rPr lang="en-US" sz="4800" b="1" dirty="0">
                 <a:solidFill>
                   <a:srgbClr val="660033"/>
                 </a:solidFill>
+                <a:effectLst/>
               </a:rPr>
-              <a:t>2</a:t>
-            </a:r>
-            <a:r>
-              <a:rPr lang="en-US" sz="7200" b="1" dirty="0">
+              <a:t>( </a:t>
+            </a:r>
+            <a:r>
+              <a:rPr lang="en-US" sz="4800" b="1" dirty="0" smtClean="0">
                 <a:solidFill>
                   <a:srgbClr val="660033"/>
                 </a:solidFill>
+                <a:effectLst/>
               </a:rPr>
-              <a:t>.</a:t>
-            </a:r>
-            <a:endParaRPr lang="vi-VN" sz="7200" b="1" dirty="0">
+              <a:t>2 </a:t>
+            </a:r>
+            <a:r>
+              <a:rPr lang="en-US" sz="4800" b="1" dirty="0">
+                <a:solidFill>
+                  <a:srgbClr val="660033"/>
+                </a:solidFill>
+                <a:effectLst/>
+              </a:rPr>
+              <a:t>)</a:t>
+            </a:r>
+            <a:endParaRPr lang="vi-VN" sz="4800" b="1" dirty="0">
               <a:solidFill>
                 <a:srgbClr val="660033"/>
               </a:solidFill>
+              <a:effectLst/>
             </a:endParaRPr>
           </a:p>
         </p:txBody>
@@ -4553,13 +4524,6 @@
               </a:rPr>
               <a:t>榮耀之救主  潔淨像你</a:t>
             </a:r>
-            <a:endParaRPr lang="zh-TW" altLang="en-US" sz="6400" b="1" dirty="0">
-              <a:solidFill>
-                <a:srgbClr val="660033"/>
-              </a:solidFill>
-              <a:latin typeface="微軟正黑體" pitchFamily="34" charset="-120"/>
-              <a:ea typeface="微軟正黑體" pitchFamily="34" charset="-120"/>
-            </a:endParaRPr>
           </a:p>
         </p:txBody>
       </p:sp>
@@ -4650,13 +4614,6 @@
               </a:rPr>
               <a:t>致主之榮形深印心裡</a:t>
             </a:r>
-            <a:endParaRPr lang="zh-TW" altLang="en-US" sz="6400" b="1" dirty="0">
-              <a:solidFill>
-                <a:srgbClr val="660033"/>
-              </a:solidFill>
-              <a:latin typeface="微軟正黑體" pitchFamily="34" charset="-120"/>
-              <a:ea typeface="微軟正黑體" pitchFamily="34" charset="-120"/>
-            </a:endParaRPr>
           </a:p>
         </p:txBody>
       </p:sp>

--- a/宣道詩/(宣道詩130)像基督.pptx
+++ b/宣道詩/(宣道詩130)像基督.pptx
@@ -317,7 +317,7 @@
             <a:fld id="{D33DC525-72F4-4C64-B99D-0B22188FF31E}" type="datetimeFigureOut">
               <a:rPr lang="zh-TW" altLang="en-US" smtClean="0"/>
               <a:pPr/>
-              <a:t>2021/7/6</a:t>
+              <a:t>2022/4/29</a:t>
             </a:fld>
             <a:endParaRPr lang="zh-TW" altLang="en-US"/>
           </a:p>
@@ -484,7 +484,7 @@
             <a:fld id="{D33DC525-72F4-4C64-B99D-0B22188FF31E}" type="datetimeFigureOut">
               <a:rPr lang="zh-TW" altLang="en-US" smtClean="0"/>
               <a:pPr/>
-              <a:t>2021/7/6</a:t>
+              <a:t>2022/4/29</a:t>
             </a:fld>
             <a:endParaRPr lang="zh-TW" altLang="en-US"/>
           </a:p>
@@ -661,7 +661,7 @@
             <a:fld id="{D33DC525-72F4-4C64-B99D-0B22188FF31E}" type="datetimeFigureOut">
               <a:rPr lang="zh-TW" altLang="en-US" smtClean="0"/>
               <a:pPr/>
-              <a:t>2021/7/6</a:t>
+              <a:t>2022/4/29</a:t>
             </a:fld>
             <a:endParaRPr lang="zh-TW" altLang="en-US"/>
           </a:p>
@@ -828,7 +828,7 @@
             <a:fld id="{D33DC525-72F4-4C64-B99D-0B22188FF31E}" type="datetimeFigureOut">
               <a:rPr lang="zh-TW" altLang="en-US" smtClean="0"/>
               <a:pPr/>
-              <a:t>2021/7/6</a:t>
+              <a:t>2022/4/29</a:t>
             </a:fld>
             <a:endParaRPr lang="zh-TW" altLang="en-US"/>
           </a:p>
@@ -1071,7 +1071,7 @@
             <a:fld id="{D33DC525-72F4-4C64-B99D-0B22188FF31E}" type="datetimeFigureOut">
               <a:rPr lang="zh-TW" altLang="en-US" smtClean="0"/>
               <a:pPr/>
-              <a:t>2021/7/6</a:t>
+              <a:t>2022/4/29</a:t>
             </a:fld>
             <a:endParaRPr lang="zh-TW" altLang="en-US"/>
           </a:p>
@@ -1356,7 +1356,7 @@
             <a:fld id="{D33DC525-72F4-4C64-B99D-0B22188FF31E}" type="datetimeFigureOut">
               <a:rPr lang="zh-TW" altLang="en-US" smtClean="0"/>
               <a:pPr/>
-              <a:t>2021/7/6</a:t>
+              <a:t>2022/4/29</a:t>
             </a:fld>
             <a:endParaRPr lang="zh-TW" altLang="en-US"/>
           </a:p>
@@ -1775,7 +1775,7 @@
             <a:fld id="{D33DC525-72F4-4C64-B99D-0B22188FF31E}" type="datetimeFigureOut">
               <a:rPr lang="zh-TW" altLang="en-US" smtClean="0"/>
               <a:pPr/>
-              <a:t>2021/7/6</a:t>
+              <a:t>2022/4/29</a:t>
             </a:fld>
             <a:endParaRPr lang="zh-TW" altLang="en-US"/>
           </a:p>
@@ -1890,7 +1890,7 @@
             <a:fld id="{D33DC525-72F4-4C64-B99D-0B22188FF31E}" type="datetimeFigureOut">
               <a:rPr lang="zh-TW" altLang="en-US" smtClean="0"/>
               <a:pPr/>
-              <a:t>2021/7/6</a:t>
+              <a:t>2022/4/29</a:t>
             </a:fld>
             <a:endParaRPr lang="zh-TW" altLang="en-US"/>
           </a:p>
@@ -1982,7 +1982,7 @@
             <a:fld id="{D33DC525-72F4-4C64-B99D-0B22188FF31E}" type="datetimeFigureOut">
               <a:rPr lang="zh-TW" altLang="en-US" smtClean="0"/>
               <a:pPr/>
-              <a:t>2021/7/6</a:t>
+              <a:t>2022/4/29</a:t>
             </a:fld>
             <a:endParaRPr lang="zh-TW" altLang="en-US"/>
           </a:p>
@@ -2256,7 +2256,7 @@
             <a:fld id="{D33DC525-72F4-4C64-B99D-0B22188FF31E}" type="datetimeFigureOut">
               <a:rPr lang="zh-TW" altLang="en-US" smtClean="0"/>
               <a:pPr/>
-              <a:t>2021/7/6</a:t>
+              <a:t>2022/4/29</a:t>
             </a:fld>
             <a:endParaRPr lang="zh-TW" altLang="en-US"/>
           </a:p>
@@ -2510,7 +2510,7 @@
             <a:fld id="{D33DC525-72F4-4C64-B99D-0B22188FF31E}" type="datetimeFigureOut">
               <a:rPr lang="zh-TW" altLang="en-US" smtClean="0"/>
               <a:pPr/>
-              <a:t>2021/7/6</a:t>
+              <a:t>2022/4/29</a:t>
             </a:fld>
             <a:endParaRPr lang="zh-TW" altLang="en-US"/>
           </a:p>
@@ -2725,7 +2725,7 @@
             <a:fld id="{D33DC525-72F4-4C64-B99D-0B22188FF31E}" type="datetimeFigureOut">
               <a:rPr lang="zh-TW" altLang="en-US" smtClean="0"/>
               <a:pPr/>
-              <a:t>2021/7/6</a:t>
+              <a:t>2022/4/29</a:t>
             </a:fld>
             <a:endParaRPr lang="zh-TW" altLang="en-US"/>
           </a:p>
@@ -3337,7 +3337,6 @@
                 <a:solidFill>
                   <a:srgbClr val="660033"/>
                 </a:solidFill>
-                <a:effectLst/>
               </a:rPr>
               <a:t>( </a:t>
             </a:r>
@@ -3346,7 +3345,6 @@
                 <a:solidFill>
                   <a:srgbClr val="660033"/>
                 </a:solidFill>
-                <a:effectLst/>
               </a:rPr>
               <a:t>3 </a:t>
             </a:r>
@@ -3355,15 +3353,13 @@
                 <a:solidFill>
                   <a:srgbClr val="660033"/>
                 </a:solidFill>
-                <a:effectLst/>
               </a:rPr>
-              <a:t>)</a:t>
+              <a:t>/ 3 )</a:t>
             </a:r>
             <a:endParaRPr lang="vi-VN" sz="4800" b="1" dirty="0">
               <a:solidFill>
                 <a:srgbClr val="660033"/>
               </a:solidFill>
-              <a:effectLst/>
             </a:endParaRPr>
           </a:p>
         </p:txBody>
@@ -3486,33 +3482,13 @@
                 <a:solidFill>
                   <a:srgbClr val="660033"/>
                 </a:solidFill>
-                <a:effectLst/>
               </a:rPr>
-              <a:t>( </a:t>
-            </a:r>
-            <a:r>
-              <a:rPr lang="en-US" sz="4800" b="1" dirty="0" smtClean="0">
-                <a:solidFill>
-                  <a:srgbClr val="660033"/>
-                </a:solidFill>
-                <a:effectLst/>
-              </a:rPr>
-              <a:t>3 </a:t>
-            </a:r>
-            <a:r>
-              <a:rPr lang="en-US" sz="4800" b="1" dirty="0">
-                <a:solidFill>
-                  <a:srgbClr val="660033"/>
-                </a:solidFill>
-                <a:effectLst/>
-              </a:rPr>
-              <a:t>)</a:t>
+              <a:t>( 3 / 3 )</a:t>
             </a:r>
             <a:endParaRPr lang="vi-VN" sz="4800" b="1" dirty="0">
               <a:solidFill>
                 <a:srgbClr val="660033"/>
               </a:solidFill>
-              <a:effectLst/>
             </a:endParaRPr>
           </a:p>
         </p:txBody>
@@ -3817,7 +3793,25 @@
                 </a:solidFill>
                 <a:effectLst/>
               </a:rPr>
-              <a:t>( 1 )</a:t>
+              <a:t>( </a:t>
+            </a:r>
+            <a:r>
+              <a:rPr lang="en-US" sz="4800" b="1" dirty="0" smtClean="0">
+                <a:solidFill>
+                  <a:srgbClr val="660033"/>
+                </a:solidFill>
+                <a:effectLst/>
+              </a:rPr>
+              <a:t>1 / 3 </a:t>
+            </a:r>
+            <a:r>
+              <a:rPr lang="en-US" sz="4800" b="1" dirty="0">
+                <a:solidFill>
+                  <a:srgbClr val="660033"/>
+                </a:solidFill>
+                <a:effectLst/>
+              </a:rPr>
+              <a:t>)</a:t>
             </a:r>
             <a:endParaRPr lang="vi-VN" sz="4800" b="1" dirty="0">
               <a:solidFill>
@@ -3946,15 +3940,13 @@
                 <a:solidFill>
                   <a:srgbClr val="660033"/>
                 </a:solidFill>
-                <a:effectLst/>
               </a:rPr>
-              <a:t>( 1 )</a:t>
+              <a:t>( 1 / 3 )</a:t>
             </a:r>
             <a:endParaRPr lang="vi-VN" sz="4800" b="1" dirty="0">
               <a:solidFill>
                 <a:srgbClr val="660033"/>
               </a:solidFill>
-              <a:effectLst/>
             </a:endParaRPr>
           </a:p>
         </p:txBody>
@@ -4257,7 +4249,6 @@
                 <a:solidFill>
                   <a:srgbClr val="660033"/>
                 </a:solidFill>
-                <a:effectLst/>
               </a:rPr>
               <a:t>( </a:t>
             </a:r>
@@ -4266,7 +4257,6 @@
                 <a:solidFill>
                   <a:srgbClr val="660033"/>
                 </a:solidFill>
-                <a:effectLst/>
               </a:rPr>
               <a:t>2 </a:t>
             </a:r>
@@ -4275,15 +4265,13 @@
                 <a:solidFill>
                   <a:srgbClr val="660033"/>
                 </a:solidFill>
-                <a:effectLst/>
               </a:rPr>
-              <a:t>)</a:t>
+              <a:t>/ 3 )</a:t>
             </a:r>
             <a:endParaRPr lang="vi-VN" sz="4800" b="1" dirty="0">
               <a:solidFill>
                 <a:srgbClr val="660033"/>
               </a:solidFill>
-              <a:effectLst/>
             </a:endParaRPr>
           </a:p>
         </p:txBody>
@@ -4406,33 +4394,13 @@
                 <a:solidFill>
                   <a:srgbClr val="660033"/>
                 </a:solidFill>
-                <a:effectLst/>
               </a:rPr>
-              <a:t>( </a:t>
-            </a:r>
-            <a:r>
-              <a:rPr lang="en-US" sz="4800" b="1" dirty="0" smtClean="0">
-                <a:solidFill>
-                  <a:srgbClr val="660033"/>
-                </a:solidFill>
-                <a:effectLst/>
-              </a:rPr>
-              <a:t>2 </a:t>
-            </a:r>
-            <a:r>
-              <a:rPr lang="en-US" sz="4800" b="1" dirty="0">
-                <a:solidFill>
-                  <a:srgbClr val="660033"/>
-                </a:solidFill>
-                <a:effectLst/>
-              </a:rPr>
-              <a:t>)</a:t>
+              <a:t>( 2 / 3 )</a:t>
             </a:r>
             <a:endParaRPr lang="vi-VN" sz="4800" b="1" dirty="0">
               <a:solidFill>
                 <a:srgbClr val="660033"/>
               </a:solidFill>
-              <a:effectLst/>
             </a:endParaRPr>
           </a:p>
         </p:txBody>

--- a/宣道詩/(宣道詩130)像基督.pptx
+++ b/宣道詩/(宣道詩130)像基督.pptx
@@ -12,11 +12,11 @@
     <p:sldId id="260" r:id="rId6"/>
     <p:sldId id="261" r:id="rId7"/>
     <p:sldId id="262" r:id="rId8"/>
-    <p:sldId id="263" r:id="rId9"/>
+    <p:sldId id="269" r:id="rId9"/>
     <p:sldId id="264" r:id="rId10"/>
     <p:sldId id="265" r:id="rId11"/>
     <p:sldId id="266" r:id="rId12"/>
-    <p:sldId id="267" r:id="rId13"/>
+    <p:sldId id="270" r:id="rId13"/>
     <p:sldId id="268" r:id="rId14"/>
   </p:sldIdLst>
   <p:sldSz cx="12192000" cy="6858000"/>
@@ -317,7 +317,7 @@
             <a:fld id="{D33DC525-72F4-4C64-B99D-0B22188FF31E}" type="datetimeFigureOut">
               <a:rPr lang="zh-TW" altLang="en-US" smtClean="0"/>
               <a:pPr/>
-              <a:t>2022/4/29</a:t>
+              <a:t>2023/7/15</a:t>
             </a:fld>
             <a:endParaRPr lang="zh-TW" altLang="en-US"/>
           </a:p>
@@ -484,7 +484,7 @@
             <a:fld id="{D33DC525-72F4-4C64-B99D-0B22188FF31E}" type="datetimeFigureOut">
               <a:rPr lang="zh-TW" altLang="en-US" smtClean="0"/>
               <a:pPr/>
-              <a:t>2022/4/29</a:t>
+              <a:t>2023/7/15</a:t>
             </a:fld>
             <a:endParaRPr lang="zh-TW" altLang="en-US"/>
           </a:p>
@@ -661,7 +661,7 @@
             <a:fld id="{D33DC525-72F4-4C64-B99D-0B22188FF31E}" type="datetimeFigureOut">
               <a:rPr lang="zh-TW" altLang="en-US" smtClean="0"/>
               <a:pPr/>
-              <a:t>2022/4/29</a:t>
+              <a:t>2023/7/15</a:t>
             </a:fld>
             <a:endParaRPr lang="zh-TW" altLang="en-US"/>
           </a:p>
@@ -828,7 +828,7 @@
             <a:fld id="{D33DC525-72F4-4C64-B99D-0B22188FF31E}" type="datetimeFigureOut">
               <a:rPr lang="zh-TW" altLang="en-US" smtClean="0"/>
               <a:pPr/>
-              <a:t>2022/4/29</a:t>
+              <a:t>2023/7/15</a:t>
             </a:fld>
             <a:endParaRPr lang="zh-TW" altLang="en-US"/>
           </a:p>
@@ -1071,7 +1071,7 @@
             <a:fld id="{D33DC525-72F4-4C64-B99D-0B22188FF31E}" type="datetimeFigureOut">
               <a:rPr lang="zh-TW" altLang="en-US" smtClean="0"/>
               <a:pPr/>
-              <a:t>2022/4/29</a:t>
+              <a:t>2023/7/15</a:t>
             </a:fld>
             <a:endParaRPr lang="zh-TW" altLang="en-US"/>
           </a:p>
@@ -1356,7 +1356,7 @@
             <a:fld id="{D33DC525-72F4-4C64-B99D-0B22188FF31E}" type="datetimeFigureOut">
               <a:rPr lang="zh-TW" altLang="en-US" smtClean="0"/>
               <a:pPr/>
-              <a:t>2022/4/29</a:t>
+              <a:t>2023/7/15</a:t>
             </a:fld>
             <a:endParaRPr lang="zh-TW" altLang="en-US"/>
           </a:p>
@@ -1775,7 +1775,7 @@
             <a:fld id="{D33DC525-72F4-4C64-B99D-0B22188FF31E}" type="datetimeFigureOut">
               <a:rPr lang="zh-TW" altLang="en-US" smtClean="0"/>
               <a:pPr/>
-              <a:t>2022/4/29</a:t>
+              <a:t>2023/7/15</a:t>
             </a:fld>
             <a:endParaRPr lang="zh-TW" altLang="en-US"/>
           </a:p>
@@ -1890,7 +1890,7 @@
             <a:fld id="{D33DC525-72F4-4C64-B99D-0B22188FF31E}" type="datetimeFigureOut">
               <a:rPr lang="zh-TW" altLang="en-US" smtClean="0"/>
               <a:pPr/>
-              <a:t>2022/4/29</a:t>
+              <a:t>2023/7/15</a:t>
             </a:fld>
             <a:endParaRPr lang="zh-TW" altLang="en-US"/>
           </a:p>
@@ -1982,7 +1982,7 @@
             <a:fld id="{D33DC525-72F4-4C64-B99D-0B22188FF31E}" type="datetimeFigureOut">
               <a:rPr lang="zh-TW" altLang="en-US" smtClean="0"/>
               <a:pPr/>
-              <a:t>2022/4/29</a:t>
+              <a:t>2023/7/15</a:t>
             </a:fld>
             <a:endParaRPr lang="zh-TW" altLang="en-US"/>
           </a:p>
@@ -2256,7 +2256,7 @@
             <a:fld id="{D33DC525-72F4-4C64-B99D-0B22188FF31E}" type="datetimeFigureOut">
               <a:rPr lang="zh-TW" altLang="en-US" smtClean="0"/>
               <a:pPr/>
-              <a:t>2022/4/29</a:t>
+              <a:t>2023/7/15</a:t>
             </a:fld>
             <a:endParaRPr lang="zh-TW" altLang="en-US"/>
           </a:p>
@@ -2510,7 +2510,7 @@
             <a:fld id="{D33DC525-72F4-4C64-B99D-0B22188FF31E}" type="datetimeFigureOut">
               <a:rPr lang="zh-TW" altLang="en-US" smtClean="0"/>
               <a:pPr/>
-              <a:t>2022/4/29</a:t>
+              <a:t>2023/7/15</a:t>
             </a:fld>
             <a:endParaRPr lang="zh-TW" altLang="en-US"/>
           </a:p>
@@ -2725,7 +2725,7 @@
             <a:fld id="{D33DC525-72F4-4C64-B99D-0B22188FF31E}" type="datetimeFigureOut">
               <a:rPr lang="zh-TW" altLang="en-US" smtClean="0"/>
               <a:pPr/>
-              <a:t>2022/4/29</a:t>
+              <a:t>2023/7/15</a:t>
             </a:fld>
             <a:endParaRPr lang="zh-TW" altLang="en-US"/>
           </a:p>
@@ -3289,7 +3289,27 @@
                 <a:latin typeface="微軟正黑體" pitchFamily="34" charset="-120"/>
                 <a:ea typeface="微軟正黑體" pitchFamily="34" charset="-120"/>
               </a:rPr>
-              <a:t>主我願像你滿有憐憫心</a:t>
+              <a:t>主我願</a:t>
+            </a:r>
+            <a:r>
+              <a:rPr lang="zh-TW" altLang="en-US" sz="6400" b="1" dirty="0">
+                <a:solidFill>
+                  <a:srgbClr val="660033"/>
+                </a:solidFill>
+                <a:latin typeface="微軟正黑體" pitchFamily="34" charset="-120"/>
+                <a:ea typeface="微軟正黑體" pitchFamily="34" charset="-120"/>
+              </a:rPr>
+              <a:t>像祢滿</a:t>
+            </a:r>
+            <a:r>
+              <a:rPr lang="zh-TW" altLang="en-US" sz="6400" b="1" dirty="0">
+                <a:solidFill>
+                  <a:srgbClr val="660033"/>
+                </a:solidFill>
+                <a:latin typeface="微軟正黑體" pitchFamily="34" charset="-120"/>
+                <a:ea typeface="微軟正黑體" pitchFamily="34" charset="-120"/>
+              </a:rPr>
+              <a:t>有憐憫心</a:t>
             </a:r>
           </a:p>
           <a:p>
@@ -3563,13 +3583,8 @@
                 <a:latin typeface="微軟正黑體" pitchFamily="34" charset="-120"/>
                 <a:ea typeface="微軟正黑體" pitchFamily="34" charset="-120"/>
               </a:rPr>
-              <a:t>主我願像你  主我願像你</a:t>
-            </a:r>
-          </a:p>
-          <a:p>
-            <a:pPr algn="ctr">
-              <a:buNone/>
-            </a:pPr>
+              <a:t>主我願</a:t>
+            </a:r>
             <a:r>
               <a:rPr lang="zh-TW" altLang="en-US" sz="6400" b="1" dirty="0">
                 <a:solidFill>
@@ -3578,15 +3593,84 @@
                 <a:latin typeface="微軟正黑體" pitchFamily="34" charset="-120"/>
                 <a:ea typeface="微軟正黑體" pitchFamily="34" charset="-120"/>
               </a:rPr>
-              <a:t>榮耀之救主  潔淨像你</a:t>
-            </a:r>
+              <a:t>像</a:t>
+            </a:r>
+            <a:r>
+              <a:rPr lang="zh-TW" altLang="en-US" sz="6400" b="1" dirty="0" smtClean="0">
+                <a:solidFill>
+                  <a:srgbClr val="660033"/>
+                </a:solidFill>
+                <a:latin typeface="微軟正黑體" pitchFamily="34" charset="-120"/>
+                <a:ea typeface="微軟正黑體" pitchFamily="34" charset="-120"/>
+              </a:rPr>
+              <a:t>祢  主</a:t>
+            </a:r>
+            <a:r>
+              <a:rPr lang="zh-TW" altLang="en-US" sz="6400" b="1" dirty="0">
+                <a:solidFill>
+                  <a:srgbClr val="660033"/>
+                </a:solidFill>
+                <a:latin typeface="微軟正黑體" pitchFamily="34" charset="-120"/>
+                <a:ea typeface="微軟正黑體" pitchFamily="34" charset="-120"/>
+              </a:rPr>
+              <a:t>我願</a:t>
+            </a:r>
+            <a:r>
+              <a:rPr lang="zh-TW" altLang="en-US" sz="6400" b="1" dirty="0">
+                <a:solidFill>
+                  <a:srgbClr val="660033"/>
+                </a:solidFill>
+                <a:latin typeface="微軟正黑體" pitchFamily="34" charset="-120"/>
+                <a:ea typeface="微軟正黑體" pitchFamily="34" charset="-120"/>
+              </a:rPr>
+              <a:t>像祢</a:t>
+            </a:r>
+            <a:endParaRPr lang="zh-TW" altLang="en-US" sz="6400" b="1" dirty="0">
+              <a:solidFill>
+                <a:srgbClr val="660033"/>
+              </a:solidFill>
+              <a:latin typeface="微軟正黑體" pitchFamily="34" charset="-120"/>
+              <a:ea typeface="微軟正黑體" pitchFamily="34" charset="-120"/>
+            </a:endParaRPr>
+          </a:p>
+          <a:p>
+            <a:pPr algn="ctr">
+              <a:buNone/>
+            </a:pPr>
+            <a:r>
+              <a:rPr lang="zh-TW" altLang="en-US" sz="6400" b="1" dirty="0">
+                <a:solidFill>
+                  <a:srgbClr val="660033"/>
+                </a:solidFill>
+                <a:latin typeface="微軟正黑體" pitchFamily="34" charset="-120"/>
+                <a:ea typeface="微軟正黑體" pitchFamily="34" charset="-120"/>
+              </a:rPr>
+              <a:t>榮耀之救主  潔淨</a:t>
+            </a:r>
+            <a:r>
+              <a:rPr lang="zh-TW" altLang="en-US" sz="6400" b="1" dirty="0">
+                <a:solidFill>
+                  <a:srgbClr val="660033"/>
+                </a:solidFill>
+                <a:latin typeface="微軟正黑體" pitchFamily="34" charset="-120"/>
+                <a:ea typeface="微軟正黑體" pitchFamily="34" charset="-120"/>
+              </a:rPr>
+              <a:t>像祢</a:t>
+            </a:r>
+            <a:endParaRPr lang="zh-TW" altLang="en-US" sz="6400" b="1" dirty="0">
+              <a:solidFill>
+                <a:srgbClr val="660033"/>
+              </a:solidFill>
+              <a:latin typeface="微軟正黑體" pitchFamily="34" charset="-120"/>
+              <a:ea typeface="微軟正黑體" pitchFamily="34" charset="-120"/>
+            </a:endParaRPr>
           </a:p>
         </p:txBody>
       </p:sp>
     </p:spTree>
     <p:extLst>
       <p:ext uri="{BB962C8B-B14F-4D97-AF65-F5344CB8AC3E}">
-        <p14:creationId xmlns:p14="http://schemas.microsoft.com/office/powerpoint/2010/main" val="1743306861"/>
+        <p14:creationId xmlns:p14="http://schemas.microsoft.com/office/powerpoint/2010/main" val="747225094"/>
       </p:ext>
     </p:extLst>
   </p:cSld>
@@ -3743,8 +3827,35 @@
                 <a:latin typeface="微軟正黑體" pitchFamily="34" charset="-120"/>
                 <a:ea typeface="微軟正黑體" pitchFamily="34" charset="-120"/>
               </a:rPr>
-              <a:t>榮耀之救主我真願像你</a:t>
-            </a:r>
+              <a:t>榮耀之救主我真願</a:t>
+            </a:r>
+            <a:r>
+              <a:rPr lang="zh-TW" altLang="en-US" sz="6400" b="1" dirty="0">
+                <a:solidFill>
+                  <a:srgbClr val="660033"/>
+                </a:solidFill>
+                <a:latin typeface="微軟正黑體" pitchFamily="34" charset="-120"/>
+                <a:ea typeface="微軟正黑體" pitchFamily="34" charset="-120"/>
+              </a:rPr>
+              <a:t>像</a:t>
+            </a:r>
+            <a:r>
+              <a:rPr lang="zh-TW" altLang="en-US" sz="6400" b="1" dirty="0" smtClean="0">
+                <a:solidFill>
+                  <a:srgbClr val="660033"/>
+                </a:solidFill>
+                <a:latin typeface="微軟正黑體" pitchFamily="34" charset="-120"/>
+                <a:ea typeface="微軟正黑體" pitchFamily="34" charset="-120"/>
+              </a:rPr>
+              <a:t>祢</a:t>
+            </a:r>
+            <a:endParaRPr lang="zh-TW" altLang="en-US" sz="6400" b="1" dirty="0">
+              <a:solidFill>
+                <a:srgbClr val="660033"/>
+              </a:solidFill>
+              <a:latin typeface="微軟正黑體" pitchFamily="34" charset="-120"/>
+              <a:ea typeface="微軟正黑體" pitchFamily="34" charset="-120"/>
+            </a:endParaRPr>
           </a:p>
           <a:p>
             <a:pPr algn="ctr">
@@ -4021,13 +4132,8 @@
                 <a:latin typeface="微軟正黑體" pitchFamily="34" charset="-120"/>
                 <a:ea typeface="微軟正黑體" pitchFamily="34" charset="-120"/>
               </a:rPr>
-              <a:t>主我願像你  主我願像你</a:t>
-            </a:r>
-          </a:p>
-          <a:p>
-            <a:pPr algn="ctr">
-              <a:buNone/>
-            </a:pPr>
+              <a:t>主我願</a:t>
+            </a:r>
             <a:r>
               <a:rPr lang="zh-TW" altLang="en-US" sz="6400" b="1" dirty="0">
                 <a:solidFill>
@@ -4036,8 +4142,77 @@
                 <a:latin typeface="微軟正黑體" pitchFamily="34" charset="-120"/>
                 <a:ea typeface="微軟正黑體" pitchFamily="34" charset="-120"/>
               </a:rPr>
-              <a:t>榮耀之救主  潔淨像你</a:t>
-            </a:r>
+              <a:t>像</a:t>
+            </a:r>
+            <a:r>
+              <a:rPr lang="zh-TW" altLang="en-US" sz="6400" b="1" dirty="0" smtClean="0">
+                <a:solidFill>
+                  <a:srgbClr val="660033"/>
+                </a:solidFill>
+                <a:latin typeface="微軟正黑體" pitchFamily="34" charset="-120"/>
+                <a:ea typeface="微軟正黑體" pitchFamily="34" charset="-120"/>
+              </a:rPr>
+              <a:t>祢  主</a:t>
+            </a:r>
+            <a:r>
+              <a:rPr lang="zh-TW" altLang="en-US" sz="6400" b="1" dirty="0">
+                <a:solidFill>
+                  <a:srgbClr val="660033"/>
+                </a:solidFill>
+                <a:latin typeface="微軟正黑體" pitchFamily="34" charset="-120"/>
+                <a:ea typeface="微軟正黑體" pitchFamily="34" charset="-120"/>
+              </a:rPr>
+              <a:t>我願</a:t>
+            </a:r>
+            <a:r>
+              <a:rPr lang="zh-TW" altLang="en-US" sz="6400" b="1" dirty="0">
+                <a:solidFill>
+                  <a:srgbClr val="660033"/>
+                </a:solidFill>
+                <a:latin typeface="微軟正黑體" pitchFamily="34" charset="-120"/>
+                <a:ea typeface="微軟正黑體" pitchFamily="34" charset="-120"/>
+              </a:rPr>
+              <a:t>像祢</a:t>
+            </a:r>
+            <a:endParaRPr lang="zh-TW" altLang="en-US" sz="6400" b="1" dirty="0">
+              <a:solidFill>
+                <a:srgbClr val="660033"/>
+              </a:solidFill>
+              <a:latin typeface="微軟正黑體" pitchFamily="34" charset="-120"/>
+              <a:ea typeface="微軟正黑體" pitchFamily="34" charset="-120"/>
+            </a:endParaRPr>
+          </a:p>
+          <a:p>
+            <a:pPr algn="ctr">
+              <a:buNone/>
+            </a:pPr>
+            <a:r>
+              <a:rPr lang="zh-TW" altLang="en-US" sz="6400" b="1" dirty="0">
+                <a:solidFill>
+                  <a:srgbClr val="660033"/>
+                </a:solidFill>
+                <a:latin typeface="微軟正黑體" pitchFamily="34" charset="-120"/>
+                <a:ea typeface="微軟正黑體" pitchFamily="34" charset="-120"/>
+              </a:rPr>
+              <a:t>榮耀之救主  潔淨</a:t>
+            </a:r>
+            <a:r>
+              <a:rPr lang="zh-TW" altLang="en-US" sz="6400" b="1" dirty="0">
+                <a:solidFill>
+                  <a:srgbClr val="660033"/>
+                </a:solidFill>
+                <a:latin typeface="微軟正黑體" pitchFamily="34" charset="-120"/>
+                <a:ea typeface="微軟正黑體" pitchFamily="34" charset="-120"/>
+              </a:rPr>
+              <a:t>像祢</a:t>
+            </a:r>
+            <a:endParaRPr lang="zh-TW" altLang="en-US" sz="6400" b="1" dirty="0">
+              <a:solidFill>
+                <a:srgbClr val="660033"/>
+              </a:solidFill>
+              <a:latin typeface="微軟正黑體" pitchFamily="34" charset="-120"/>
+              <a:ea typeface="微軟正黑體" pitchFamily="34" charset="-120"/>
+            </a:endParaRPr>
           </a:p>
         </p:txBody>
       </p:sp>
@@ -4475,13 +4650,8 @@
                 <a:latin typeface="微軟正黑體" pitchFamily="34" charset="-120"/>
                 <a:ea typeface="微軟正黑體" pitchFamily="34" charset="-120"/>
               </a:rPr>
-              <a:t>主我願像你  主我願像你</a:t>
-            </a:r>
-          </a:p>
-          <a:p>
-            <a:pPr algn="ctr">
-              <a:buNone/>
-            </a:pPr>
+              <a:t>主我願</a:t>
+            </a:r>
             <a:r>
               <a:rPr lang="zh-TW" altLang="en-US" sz="6400" b="1" dirty="0">
                 <a:solidFill>
@@ -4490,15 +4660,84 @@
                 <a:latin typeface="微軟正黑體" pitchFamily="34" charset="-120"/>
                 <a:ea typeface="微軟正黑體" pitchFamily="34" charset="-120"/>
               </a:rPr>
-              <a:t>榮耀之救主  潔淨像你</a:t>
-            </a:r>
+              <a:t>像</a:t>
+            </a:r>
+            <a:r>
+              <a:rPr lang="zh-TW" altLang="en-US" sz="6400" b="1" dirty="0" smtClean="0">
+                <a:solidFill>
+                  <a:srgbClr val="660033"/>
+                </a:solidFill>
+                <a:latin typeface="微軟正黑體" pitchFamily="34" charset="-120"/>
+                <a:ea typeface="微軟正黑體" pitchFamily="34" charset="-120"/>
+              </a:rPr>
+              <a:t>祢  主</a:t>
+            </a:r>
+            <a:r>
+              <a:rPr lang="zh-TW" altLang="en-US" sz="6400" b="1" dirty="0">
+                <a:solidFill>
+                  <a:srgbClr val="660033"/>
+                </a:solidFill>
+                <a:latin typeface="微軟正黑體" pitchFamily="34" charset="-120"/>
+                <a:ea typeface="微軟正黑體" pitchFamily="34" charset="-120"/>
+              </a:rPr>
+              <a:t>我願</a:t>
+            </a:r>
+            <a:r>
+              <a:rPr lang="zh-TW" altLang="en-US" sz="6400" b="1" dirty="0">
+                <a:solidFill>
+                  <a:srgbClr val="660033"/>
+                </a:solidFill>
+                <a:latin typeface="微軟正黑體" pitchFamily="34" charset="-120"/>
+                <a:ea typeface="微軟正黑體" pitchFamily="34" charset="-120"/>
+              </a:rPr>
+              <a:t>像祢</a:t>
+            </a:r>
+            <a:endParaRPr lang="zh-TW" altLang="en-US" sz="6400" b="1" dirty="0">
+              <a:solidFill>
+                <a:srgbClr val="660033"/>
+              </a:solidFill>
+              <a:latin typeface="微軟正黑體" pitchFamily="34" charset="-120"/>
+              <a:ea typeface="微軟正黑體" pitchFamily="34" charset="-120"/>
+            </a:endParaRPr>
+          </a:p>
+          <a:p>
+            <a:pPr algn="ctr">
+              <a:buNone/>
+            </a:pPr>
+            <a:r>
+              <a:rPr lang="zh-TW" altLang="en-US" sz="6400" b="1" dirty="0">
+                <a:solidFill>
+                  <a:srgbClr val="660033"/>
+                </a:solidFill>
+                <a:latin typeface="微軟正黑體" pitchFamily="34" charset="-120"/>
+                <a:ea typeface="微軟正黑體" pitchFamily="34" charset="-120"/>
+              </a:rPr>
+              <a:t>榮耀之救主  潔淨</a:t>
+            </a:r>
+            <a:r>
+              <a:rPr lang="zh-TW" altLang="en-US" sz="6400" b="1" dirty="0">
+                <a:solidFill>
+                  <a:srgbClr val="660033"/>
+                </a:solidFill>
+                <a:latin typeface="微軟正黑體" pitchFamily="34" charset="-120"/>
+                <a:ea typeface="微軟正黑體" pitchFamily="34" charset="-120"/>
+              </a:rPr>
+              <a:t>像祢</a:t>
+            </a:r>
+            <a:endParaRPr lang="zh-TW" altLang="en-US" sz="6400" b="1" dirty="0">
+              <a:solidFill>
+                <a:srgbClr val="660033"/>
+              </a:solidFill>
+              <a:latin typeface="微軟正黑體" pitchFamily="34" charset="-120"/>
+              <a:ea typeface="微軟正黑體" pitchFamily="34" charset="-120"/>
+            </a:endParaRPr>
           </a:p>
         </p:txBody>
       </p:sp>
     </p:spTree>
     <p:extLst>
       <p:ext uri="{BB962C8B-B14F-4D97-AF65-F5344CB8AC3E}">
-        <p14:creationId xmlns:p14="http://schemas.microsoft.com/office/powerpoint/2010/main" val="511888047"/>
+        <p14:creationId xmlns:p14="http://schemas.microsoft.com/office/powerpoint/2010/main" val="991521553"/>
       </p:ext>
     </p:extLst>
   </p:cSld>
